--- a/mestermunka/prezentacio/reanbeautyPrezentacio.pptx
+++ b/mestermunka/prezentacio/reanbeautyPrezentacio.pptx
@@ -5,7 +5,7 @@
     <p:sldMasterId id="2147483648" r:id="rId1"/>
   </p:sldMasterIdLst>
   <p:notesMasterIdLst>
-    <p:notesMasterId r:id="rId10"/>
+    <p:notesMasterId r:id="rId12"/>
   </p:notesMasterIdLst>
   <p:sldIdLst>
     <p:sldId id="256" r:id="rId2"/>
@@ -13,9 +13,11 @@
     <p:sldId id="260" r:id="rId4"/>
     <p:sldId id="259" r:id="rId5"/>
     <p:sldId id="258" r:id="rId6"/>
-    <p:sldId id="262" r:id="rId7"/>
-    <p:sldId id="264" r:id="rId8"/>
-    <p:sldId id="263" r:id="rId9"/>
+    <p:sldId id="264" r:id="rId7"/>
+    <p:sldId id="266" r:id="rId8"/>
+    <p:sldId id="265" r:id="rId9"/>
+    <p:sldId id="262" r:id="rId10"/>
+    <p:sldId id="263" r:id="rId11"/>
   </p:sldIdLst>
   <p:sldSz cx="12192000" cy="6858000"/>
   <p:notesSz cx="6858000" cy="9144000"/>
@@ -125,608 +127,11 @@
 <file path=ppt/revisionInfo.xml><?xml version="1.0" encoding="utf-8"?>
 <p1510:revInfo xmlns:a="http://schemas.openxmlformats.org/drawingml/2006/main" xmlns:r="http://schemas.openxmlformats.org/officeDocument/2006/relationships" xmlns:p1510="http://schemas.microsoft.com/office/powerpoint/2015/10/main">
   <p1510:revLst>
-    <p1510:client id="{0EF54200-9791-C392-4588-F1E575014B8B}" v="26" dt="2025-04-27T17:34:59.027"/>
-    <p1510:client id="{EBE1F6DE-757F-75F3-9EB5-BBB819024528}" v="86" dt="2025-04-27T20:17:19.972"/>
-    <p1510:client id="{EFE53871-6B7F-9E3C-A3C8-F851AC6A41D5}" v="1011" dt="2025-04-27T20:38:09.625"/>
+    <p1510:client id="{0F1FB70E-8015-6D85-37C0-BE3FD8CBA1FD}" v="160" dt="2025-05-06T20:13:58.706"/>
+    <p1510:client id="{22518969-615E-EC9F-D0A8-B1AE9A0BC212}" v="19" dt="2025-05-05T20:00:20.439"/>
+    <p1510:client id="{73DCAC43-2E72-E737-C638-206D8964292D}" v="50" dt="2025-05-05T19:56:09.998"/>
   </p1510:revLst>
 </p1510:revInfo>
-</file>
-
-<file path=ppt/changesInfos/changesInfo1.xml><?xml version="1.0" encoding="utf-8"?>
-<pc:chgInfo xmlns:a="http://schemas.openxmlformats.org/drawingml/2006/main" xmlns:r="http://schemas.openxmlformats.org/officeDocument/2006/relationships" xmlns:ac="http://schemas.microsoft.com/office/drawing/2013/main/command" xmlns:pc="http://schemas.microsoft.com/office/powerpoint/2013/main/command">
-  <pc:docChgLst>
-    <pc:chgData name="Filák Anita 302" userId="S::filani302@hengersor.hu::255a7760-7e33-4947-be21-6089f0df8476" providerId="AD" clId="Web-{0EF54200-9791-C392-4588-F1E575014B8B}"/>
-    <pc:docChg chg="modSld">
-      <pc:chgData name="Filák Anita 302" userId="S::filani302@hengersor.hu::255a7760-7e33-4947-be21-6089f0df8476" providerId="AD" clId="Web-{0EF54200-9791-C392-4588-F1E575014B8B}" dt="2025-04-27T17:34:59.027" v="23"/>
-      <pc:docMkLst>
-        <pc:docMk/>
-      </pc:docMkLst>
-      <pc:sldChg chg="addSp delSp modSp mod setBg">
-        <pc:chgData name="Filák Anita 302" userId="S::filani302@hengersor.hu::255a7760-7e33-4947-be21-6089f0df8476" providerId="AD" clId="Web-{0EF54200-9791-C392-4588-F1E575014B8B}" dt="2025-04-27T17:34:59.027" v="23"/>
-        <pc:sldMkLst>
-          <pc:docMk/>
-          <pc:sldMk cId="4266748471" sldId="256"/>
-        </pc:sldMkLst>
-        <pc:spChg chg="del">
-          <ac:chgData name="Filák Anita 302" userId="S::filani302@hengersor.hu::255a7760-7e33-4947-be21-6089f0df8476" providerId="AD" clId="Web-{0EF54200-9791-C392-4588-F1E575014B8B}" dt="2025-04-27T17:27:19.401" v="0"/>
-          <ac:spMkLst>
-            <pc:docMk/>
-            <pc:sldMk cId="4266748471" sldId="256"/>
-            <ac:spMk id="2" creationId="{00000000-0000-0000-0000-000000000000}"/>
-          </ac:spMkLst>
-        </pc:spChg>
-        <pc:spChg chg="del">
-          <ac:chgData name="Filák Anita 302" userId="S::filani302@hengersor.hu::255a7760-7e33-4947-be21-6089f0df8476" providerId="AD" clId="Web-{0EF54200-9791-C392-4588-F1E575014B8B}" dt="2025-04-27T17:27:26.323" v="1"/>
-          <ac:spMkLst>
-            <pc:docMk/>
-            <pc:sldMk cId="4266748471" sldId="256"/>
-            <ac:spMk id="3" creationId="{00000000-0000-0000-0000-000000000000}"/>
-          </ac:spMkLst>
-        </pc:spChg>
-        <pc:spChg chg="add mod">
-          <ac:chgData name="Filák Anita 302" userId="S::filani302@hengersor.hu::255a7760-7e33-4947-be21-6089f0df8476" providerId="AD" clId="Web-{0EF54200-9791-C392-4588-F1E575014B8B}" dt="2025-04-27T17:34:59.027" v="23"/>
-          <ac:spMkLst>
-            <pc:docMk/>
-            <pc:sldMk cId="4266748471" sldId="256"/>
-            <ac:spMk id="5" creationId="{0385F041-E7FF-57D3-3ABA-EB8551B74E85}"/>
-          </ac:spMkLst>
-        </pc:spChg>
-        <pc:picChg chg="add del mod modCrop">
-          <ac:chgData name="Filák Anita 302" userId="S::filani302@hengersor.hu::255a7760-7e33-4947-be21-6089f0df8476" providerId="AD" clId="Web-{0EF54200-9791-C392-4588-F1E575014B8B}" dt="2025-04-27T17:29:23.925" v="11"/>
-          <ac:picMkLst>
-            <pc:docMk/>
-            <pc:sldMk cId="4266748471" sldId="256"/>
-            <ac:picMk id="4" creationId="{05E34D2C-CC87-3B94-452D-51DB0DC80E6E}"/>
-          </ac:picMkLst>
-        </pc:picChg>
-      </pc:sldChg>
-    </pc:docChg>
-  </pc:docChgLst>
-  <pc:docChgLst>
-    <pc:chgData name="Petrik Rebeka 904" userId="S::petreb904@hengersor.hu::75b70666-841f-45cf-baf5-64a6595a1ece" providerId="AD" clId="Web-{EBE1F6DE-757F-75F3-9EB5-BBB819024528}"/>
-    <pc:docChg chg="addSld delSld modSld sldOrd">
-      <pc:chgData name="Petrik Rebeka 904" userId="S::petreb904@hengersor.hu::75b70666-841f-45cf-baf5-64a6595a1ece" providerId="AD" clId="Web-{EBE1F6DE-757F-75F3-9EB5-BBB819024528}" dt="2025-04-27T20:36:04.965" v="89"/>
-      <pc:docMkLst>
-        <pc:docMk/>
-      </pc:docMkLst>
-      <pc:sldChg chg="modNotes">
-        <pc:chgData name="Petrik Rebeka 904" userId="S::petreb904@hengersor.hu::75b70666-841f-45cf-baf5-64a6595a1ece" providerId="AD" clId="Web-{EBE1F6DE-757F-75F3-9EB5-BBB819024528}" dt="2025-04-27T19:39:42.339" v="6"/>
-        <pc:sldMkLst>
-          <pc:docMk/>
-          <pc:sldMk cId="4126029506" sldId="257"/>
-        </pc:sldMkLst>
-      </pc:sldChg>
-      <pc:sldChg chg="modNotes">
-        <pc:chgData name="Petrik Rebeka 904" userId="S::petreb904@hengersor.hu::75b70666-841f-45cf-baf5-64a6595a1ece" providerId="AD" clId="Web-{EBE1F6DE-757F-75F3-9EB5-BBB819024528}" dt="2025-04-27T19:55:38.043" v="18"/>
-        <pc:sldMkLst>
-          <pc:docMk/>
-          <pc:sldMk cId="924267228" sldId="258"/>
-        </pc:sldMkLst>
-      </pc:sldChg>
-      <pc:sldChg chg="ord modNotes">
-        <pc:chgData name="Petrik Rebeka 904" userId="S::petreb904@hengersor.hu::75b70666-841f-45cf-baf5-64a6595a1ece" providerId="AD" clId="Web-{EBE1F6DE-757F-75F3-9EB5-BBB819024528}" dt="2025-04-27T19:57:31.922" v="24"/>
-        <pc:sldMkLst>
-          <pc:docMk/>
-          <pc:sldMk cId="81633199" sldId="259"/>
-        </pc:sldMkLst>
-      </pc:sldChg>
-      <pc:sldChg chg="modNotes">
-        <pc:chgData name="Petrik Rebeka 904" userId="S::petreb904@hengersor.hu::75b70666-841f-45cf-baf5-64a6595a1ece" providerId="AD" clId="Web-{EBE1F6DE-757F-75F3-9EB5-BBB819024528}" dt="2025-04-27T20:11:05.672" v="27"/>
-        <pc:sldMkLst>
-          <pc:docMk/>
-          <pc:sldMk cId="2073003636" sldId="260"/>
-        </pc:sldMkLst>
-      </pc:sldChg>
-      <pc:sldChg chg="modSp modNotes">
-        <pc:chgData name="Petrik Rebeka 904" userId="S::petreb904@hengersor.hu::75b70666-841f-45cf-baf5-64a6595a1ece" providerId="AD" clId="Web-{EBE1F6DE-757F-75F3-9EB5-BBB819024528}" dt="2025-04-27T20:21:56.372" v="83"/>
-        <pc:sldMkLst>
-          <pc:docMk/>
-          <pc:sldMk cId="4164401334" sldId="262"/>
-        </pc:sldMkLst>
-        <pc:spChg chg="mod">
-          <ac:chgData name="Petrik Rebeka 904" userId="S::petreb904@hengersor.hu::75b70666-841f-45cf-baf5-64a6595a1ece" providerId="AD" clId="Web-{EBE1F6DE-757F-75F3-9EB5-BBB819024528}" dt="2025-04-27T19:58:51.785" v="26" actId="20577"/>
-          <ac:spMkLst>
-            <pc:docMk/>
-            <pc:sldMk cId="4164401334" sldId="262"/>
-            <ac:spMk id="5" creationId="{1253B2F7-CC6B-FCE9-2C16-467F08D6F7AD}"/>
-          </ac:spMkLst>
-        </pc:spChg>
-      </pc:sldChg>
-      <pc:sldChg chg="new del">
-        <pc:chgData name="Petrik Rebeka 904" userId="S::petreb904@hengersor.hu::75b70666-841f-45cf-baf5-64a6595a1ece" providerId="AD" clId="Web-{EBE1F6DE-757F-75F3-9EB5-BBB819024528}" dt="2025-04-27T20:15:32.203" v="29"/>
-        <pc:sldMkLst>
-          <pc:docMk/>
-          <pc:sldMk cId="2012046545" sldId="263"/>
-        </pc:sldMkLst>
-      </pc:sldChg>
-      <pc:sldChg chg="delSp modSp add replId">
-        <pc:chgData name="Petrik Rebeka 904" userId="S::petreb904@hengersor.hu::75b70666-841f-45cf-baf5-64a6595a1ece" providerId="AD" clId="Web-{EBE1F6DE-757F-75F3-9EB5-BBB819024528}" dt="2025-04-27T20:17:19.972" v="75" actId="1076"/>
-        <pc:sldMkLst>
-          <pc:docMk/>
-          <pc:sldMk cId="2270624464" sldId="263"/>
-        </pc:sldMkLst>
-        <pc:spChg chg="del">
-          <ac:chgData name="Petrik Rebeka 904" userId="S::petreb904@hengersor.hu::75b70666-841f-45cf-baf5-64a6595a1ece" providerId="AD" clId="Web-{EBE1F6DE-757F-75F3-9EB5-BBB819024528}" dt="2025-04-27T20:16:47.237" v="65"/>
-          <ac:spMkLst>
-            <pc:docMk/>
-            <pc:sldMk cId="2270624464" sldId="263"/>
-            <ac:spMk id="2" creationId="{DD2F5AD0-280A-0CED-3408-8B1A272D054B}"/>
-          </ac:spMkLst>
-        </pc:spChg>
-        <pc:spChg chg="mod">
-          <ac:chgData name="Petrik Rebeka 904" userId="S::petreb904@hengersor.hu::75b70666-841f-45cf-baf5-64a6595a1ece" providerId="AD" clId="Web-{EBE1F6DE-757F-75F3-9EB5-BBB819024528}" dt="2025-04-27T20:17:16.113" v="74" actId="1076"/>
-          <ac:spMkLst>
-            <pc:docMk/>
-            <pc:sldMk cId="2270624464" sldId="263"/>
-            <ac:spMk id="4" creationId="{D012F308-2193-EEDA-CF68-AFC31971E348}"/>
-          </ac:spMkLst>
-        </pc:spChg>
-        <pc:spChg chg="del">
-          <ac:chgData name="Petrik Rebeka 904" userId="S::petreb904@hengersor.hu::75b70666-841f-45cf-baf5-64a6595a1ece" providerId="AD" clId="Web-{EBE1F6DE-757F-75F3-9EB5-BBB819024528}" dt="2025-04-27T20:15:57.813" v="31"/>
-          <ac:spMkLst>
-            <pc:docMk/>
-            <pc:sldMk cId="2270624464" sldId="263"/>
-            <ac:spMk id="6" creationId="{B4905CD5-FCE8-17D3-A5FC-9F859C992E33}"/>
-          </ac:spMkLst>
-        </pc:spChg>
-        <pc:picChg chg="del">
-          <ac:chgData name="Petrik Rebeka 904" userId="S::petreb904@hengersor.hu::75b70666-841f-45cf-baf5-64a6595a1ece" providerId="AD" clId="Web-{EBE1F6DE-757F-75F3-9EB5-BBB819024528}" dt="2025-04-27T20:17:06.409" v="71"/>
-          <ac:picMkLst>
-            <pc:docMk/>
-            <pc:sldMk cId="2270624464" sldId="263"/>
-            <ac:picMk id="3" creationId="{E41F79C3-BA81-5056-53FE-C5EF9387D9E8}"/>
-          </ac:picMkLst>
-        </pc:picChg>
-        <pc:picChg chg="mod">
-          <ac:chgData name="Petrik Rebeka 904" userId="S::petreb904@hengersor.hu::75b70666-841f-45cf-baf5-64a6595a1ece" providerId="AD" clId="Web-{EBE1F6DE-757F-75F3-9EB5-BBB819024528}" dt="2025-04-27T20:17:19.972" v="75" actId="1076"/>
-          <ac:picMkLst>
-            <pc:docMk/>
-            <pc:sldMk cId="2270624464" sldId="263"/>
-            <ac:picMk id="9" creationId="{29B22989-6C40-158E-8362-61B0BD4E77FE}"/>
-          </ac:picMkLst>
-        </pc:picChg>
-      </pc:sldChg>
-      <pc:sldChg chg="modNotes">
-        <pc:chgData name="Petrik Rebeka 904" userId="S::petreb904@hengersor.hu::75b70666-841f-45cf-baf5-64a6595a1ece" providerId="AD" clId="Web-{EBE1F6DE-757F-75F3-9EB5-BBB819024528}" dt="2025-04-27T20:36:04.965" v="89"/>
-        <pc:sldMkLst>
-          <pc:docMk/>
-          <pc:sldMk cId="3549872823" sldId="264"/>
-        </pc:sldMkLst>
-      </pc:sldChg>
-    </pc:docChg>
-  </pc:docChgLst>
-  <pc:docChgLst>
-    <pc:chgData name="Filák Anita 302" userId="S::filani302@hengersor.hu::255a7760-7e33-4947-be21-6089f0df8476" providerId="AD" clId="Web-{EFE53871-6B7F-9E3C-A3C8-F851AC6A41D5}"/>
-    <pc:docChg chg="addSld delSld modSld sldOrd">
-      <pc:chgData name="Filák Anita 302" userId="S::filani302@hengersor.hu::255a7760-7e33-4947-be21-6089f0df8476" providerId="AD" clId="Web-{EFE53871-6B7F-9E3C-A3C8-F851AC6A41D5}" dt="2025-04-27T20:38:08.484" v="681" actId="20577"/>
-      <pc:docMkLst>
-        <pc:docMk/>
-      </pc:docMkLst>
-      <pc:sldChg chg="addSp delSp modSp">
-        <pc:chgData name="Filák Anita 302" userId="S::filani302@hengersor.hu::255a7760-7e33-4947-be21-6089f0df8476" providerId="AD" clId="Web-{EFE53871-6B7F-9E3C-A3C8-F851AC6A41D5}" dt="2025-04-27T17:57:54.799" v="145" actId="1076"/>
-        <pc:sldMkLst>
-          <pc:docMk/>
-          <pc:sldMk cId="4266748471" sldId="256"/>
-        </pc:sldMkLst>
-        <pc:spChg chg="add del mod">
-          <ac:chgData name="Filák Anita 302" userId="S::filani302@hengersor.hu::255a7760-7e33-4947-be21-6089f0df8476" providerId="AD" clId="Web-{EFE53871-6B7F-9E3C-A3C8-F851AC6A41D5}" dt="2025-04-27T17:56:07.170" v="139"/>
-          <ac:spMkLst>
-            <pc:docMk/>
-            <pc:sldMk cId="4266748471" sldId="256"/>
-            <ac:spMk id="2" creationId="{66C24EB5-5EDF-65F9-84FE-EA86084E96A6}"/>
-          </ac:spMkLst>
-        </pc:spChg>
-        <pc:spChg chg="add mod">
-          <ac:chgData name="Filák Anita 302" userId="S::filani302@hengersor.hu::255a7760-7e33-4947-be21-6089f0df8476" providerId="AD" clId="Web-{EFE53871-6B7F-9E3C-A3C8-F851AC6A41D5}" dt="2025-04-27T17:57:54.799" v="145" actId="1076"/>
-          <ac:spMkLst>
-            <pc:docMk/>
-            <pc:sldMk cId="4266748471" sldId="256"/>
-            <ac:spMk id="4" creationId="{EBE179C8-7DE2-7AC3-7D9D-3C72AA268F06}"/>
-          </ac:spMkLst>
-        </pc:spChg>
-        <pc:spChg chg="mod">
-          <ac:chgData name="Filák Anita 302" userId="S::filani302@hengersor.hu::255a7760-7e33-4947-be21-6089f0df8476" providerId="AD" clId="Web-{EFE53871-6B7F-9E3C-A3C8-F851AC6A41D5}" dt="2025-04-27T17:57:17.141" v="141"/>
-          <ac:spMkLst>
-            <pc:docMk/>
-            <pc:sldMk cId="4266748471" sldId="256"/>
-            <ac:spMk id="5" creationId="{0385F041-E7FF-57D3-3ABA-EB8551B74E85}"/>
-          </ac:spMkLst>
-        </pc:spChg>
-        <pc:picChg chg="add mod">
-          <ac:chgData name="Filák Anita 302" userId="S::filani302@hengersor.hu::255a7760-7e33-4947-be21-6089f0df8476" providerId="AD" clId="Web-{EFE53871-6B7F-9E3C-A3C8-F851AC6A41D5}" dt="2025-04-27T17:48:23.434" v="109" actId="1076"/>
-          <ac:picMkLst>
-            <pc:docMk/>
-            <pc:sldMk cId="4266748471" sldId="256"/>
-            <ac:picMk id="3" creationId="{1FE77F12-CEFD-94EF-14A2-88C390B33B26}"/>
-          </ac:picMkLst>
-        </pc:picChg>
-      </pc:sldChg>
-      <pc:sldChg chg="modSp add del replId">
-        <pc:chgData name="Filák Anita 302" userId="S::filani302@hengersor.hu::255a7760-7e33-4947-be21-6089f0df8476" providerId="AD" clId="Web-{EFE53871-6B7F-9E3C-A3C8-F851AC6A41D5}" dt="2025-04-27T17:52:08.160" v="115"/>
-        <pc:sldMkLst>
-          <pc:docMk/>
-          <pc:sldMk cId="1013797093" sldId="257"/>
-        </pc:sldMkLst>
-        <pc:spChg chg="mod">
-          <ac:chgData name="Filák Anita 302" userId="S::filani302@hengersor.hu::255a7760-7e33-4947-be21-6089f0df8476" providerId="AD" clId="Web-{EFE53871-6B7F-9E3C-A3C8-F851AC6A41D5}" dt="2025-04-27T17:52:07.020" v="114" actId="1076"/>
-          <ac:spMkLst>
-            <pc:docMk/>
-            <pc:sldMk cId="1013797093" sldId="257"/>
-            <ac:spMk id="2" creationId="{2DAF6E67-602F-AA02-3683-92D1A1F8E196}"/>
-          </ac:spMkLst>
-        </pc:spChg>
-        <pc:spChg chg="mod">
-          <ac:chgData name="Filák Anita 302" userId="S::filani302@hengersor.hu::255a7760-7e33-4947-be21-6089f0df8476" providerId="AD" clId="Web-{EFE53871-6B7F-9E3C-A3C8-F851AC6A41D5}" dt="2025-04-27T17:51:33.487" v="112" actId="1076"/>
-          <ac:spMkLst>
-            <pc:docMk/>
-            <pc:sldMk cId="1013797093" sldId="257"/>
-            <ac:spMk id="5" creationId="{5EF8E565-0EDD-6E21-9ED8-802288993ACB}"/>
-          </ac:spMkLst>
-        </pc:spChg>
-      </pc:sldChg>
-      <pc:sldChg chg="addSp delSp modSp add replId">
-        <pc:chgData name="Filák Anita 302" userId="S::filani302@hengersor.hu::255a7760-7e33-4947-be21-6089f0df8476" providerId="AD" clId="Web-{EFE53871-6B7F-9E3C-A3C8-F851AC6A41D5}" dt="2025-04-27T19:02:31.911" v="248" actId="1076"/>
-        <pc:sldMkLst>
-          <pc:docMk/>
-          <pc:sldMk cId="4126029506" sldId="257"/>
-        </pc:sldMkLst>
-        <pc:spChg chg="add mod">
-          <ac:chgData name="Filák Anita 302" userId="S::filani302@hengersor.hu::255a7760-7e33-4947-be21-6089f0df8476" providerId="AD" clId="Web-{EFE53871-6B7F-9E3C-A3C8-F851AC6A41D5}" dt="2025-04-27T18:52:45.690" v="230" actId="14100"/>
-          <ac:spMkLst>
-            <pc:docMk/>
-            <pc:sldMk cId="4126029506" sldId="257"/>
-            <ac:spMk id="2" creationId="{3F0DFCF0-384A-6B20-ED21-FC737B1B93B6}"/>
-          </ac:spMkLst>
-        </pc:spChg>
-        <pc:spChg chg="mod ord">
-          <ac:chgData name="Filák Anita 302" userId="S::filani302@hengersor.hu::255a7760-7e33-4947-be21-6089f0df8476" providerId="AD" clId="Web-{EFE53871-6B7F-9E3C-A3C8-F851AC6A41D5}" dt="2025-04-27T18:28:52.425" v="191" actId="1076"/>
-          <ac:spMkLst>
-            <pc:docMk/>
-            <pc:sldMk cId="4126029506" sldId="257"/>
-            <ac:spMk id="4" creationId="{DD436CAA-0D04-1C56-BBEB-C26D171AE895}"/>
-          </ac:spMkLst>
-        </pc:spChg>
-        <pc:spChg chg="mod">
-          <ac:chgData name="Filák Anita 302" userId="S::filani302@hengersor.hu::255a7760-7e33-4947-be21-6089f0df8476" providerId="AD" clId="Web-{EFE53871-6B7F-9E3C-A3C8-F851AC6A41D5}" dt="2025-04-27T18:51:31.734" v="218" actId="1076"/>
-          <ac:spMkLst>
-            <pc:docMk/>
-            <pc:sldMk cId="4126029506" sldId="257"/>
-            <ac:spMk id="5" creationId="{5EE20DEC-65F0-569C-EF70-F9854BF4F979}"/>
-          </ac:spMkLst>
-        </pc:spChg>
-        <pc:spChg chg="add del">
-          <ac:chgData name="Filák Anita 302" userId="S::filani302@hengersor.hu::255a7760-7e33-4947-be21-6089f0df8476" providerId="AD" clId="Web-{EFE53871-6B7F-9E3C-A3C8-F851AC6A41D5}" dt="2025-04-27T18:38:06.615" v="199"/>
-          <ac:spMkLst>
-            <pc:docMk/>
-            <pc:sldMk cId="4126029506" sldId="257"/>
-            <ac:spMk id="6" creationId="{B0DD82D4-A82E-89A2-ECE2-0954AAC710EF}"/>
-          </ac:spMkLst>
-        </pc:spChg>
-        <pc:spChg chg="add mod">
-          <ac:chgData name="Filák Anita 302" userId="S::filani302@hengersor.hu::255a7760-7e33-4947-be21-6089f0df8476" providerId="AD" clId="Web-{EFE53871-6B7F-9E3C-A3C8-F851AC6A41D5}" dt="2025-04-27T18:53:43.723" v="235" actId="20577"/>
-          <ac:spMkLst>
-            <pc:docMk/>
-            <pc:sldMk cId="4126029506" sldId="257"/>
-            <ac:spMk id="7" creationId="{7D82B56D-3478-1410-40A8-04506D0BAFE4}"/>
-          </ac:spMkLst>
-        </pc:spChg>
-        <pc:picChg chg="del">
-          <ac:chgData name="Filák Anita 302" userId="S::filani302@hengersor.hu::255a7760-7e33-4947-be21-6089f0df8476" providerId="AD" clId="Web-{EFE53871-6B7F-9E3C-A3C8-F851AC6A41D5}" dt="2025-04-27T18:02:16.420" v="160"/>
-          <ac:picMkLst>
-            <pc:docMk/>
-            <pc:sldMk cId="4126029506" sldId="257"/>
-            <ac:picMk id="3" creationId="{BAEE3C29-754C-26D1-DDE6-184624302A1B}"/>
-          </ac:picMkLst>
-        </pc:picChg>
-        <pc:picChg chg="add del mod">
-          <ac:chgData name="Filák Anita 302" userId="S::filani302@hengersor.hu::255a7760-7e33-4947-be21-6089f0df8476" providerId="AD" clId="Web-{EFE53871-6B7F-9E3C-A3C8-F851AC6A41D5}" dt="2025-04-27T18:30:09.459" v="197"/>
-          <ac:picMkLst>
-            <pc:docMk/>
-            <pc:sldMk cId="4126029506" sldId="257"/>
-            <ac:picMk id="3" creationId="{C748EB84-8B0D-BCF1-879A-8614E31DEDB8}"/>
-          </ac:picMkLst>
-        </pc:picChg>
-        <pc:picChg chg="add mod">
-          <ac:chgData name="Filák Anita 302" userId="S::filani302@hengersor.hu::255a7760-7e33-4947-be21-6089f0df8476" providerId="AD" clId="Web-{EFE53871-6B7F-9E3C-A3C8-F851AC6A41D5}" dt="2025-04-27T19:02:31.911" v="248" actId="1076"/>
-          <ac:picMkLst>
-            <pc:docMk/>
-            <pc:sldMk cId="4126029506" sldId="257"/>
-            <ac:picMk id="9" creationId="{D4C0433A-ECEC-D8B9-BEC7-B6024D986FD5}"/>
-          </ac:picMkLst>
-        </pc:picChg>
-      </pc:sldChg>
-      <pc:sldChg chg="addSp delSp modSp add replId">
-        <pc:chgData name="Filák Anita 302" userId="S::filani302@hengersor.hu::255a7760-7e33-4947-be21-6089f0df8476" providerId="AD" clId="Web-{EFE53871-6B7F-9E3C-A3C8-F851AC6A41D5}" dt="2025-04-27T19:26:57.895" v="365" actId="14100"/>
-        <pc:sldMkLst>
-          <pc:docMk/>
-          <pc:sldMk cId="924267228" sldId="258"/>
-        </pc:sldMkLst>
-        <pc:spChg chg="mod">
-          <ac:chgData name="Filák Anita 302" userId="S::filani302@hengersor.hu::255a7760-7e33-4947-be21-6089f0df8476" providerId="AD" clId="Web-{EFE53871-6B7F-9E3C-A3C8-F851AC6A41D5}" dt="2025-04-27T19:10:30.114" v="282" actId="14100"/>
-          <ac:spMkLst>
-            <pc:docMk/>
-            <pc:sldMk cId="924267228" sldId="258"/>
-            <ac:spMk id="4" creationId="{3143C64B-D9DE-AF3E-8307-3D21E29F6EEE}"/>
-          </ac:spMkLst>
-        </pc:spChg>
-        <pc:spChg chg="del">
-          <ac:chgData name="Filák Anita 302" userId="S::filani302@hengersor.hu::255a7760-7e33-4947-be21-6089f0df8476" providerId="AD" clId="Web-{EFE53871-6B7F-9E3C-A3C8-F851AC6A41D5}" dt="2025-04-27T19:10:47.552" v="283"/>
-          <ac:spMkLst>
-            <pc:docMk/>
-            <pc:sldMk cId="924267228" sldId="258"/>
-            <ac:spMk id="7" creationId="{34C904D7-CBF8-181B-4BD8-60643502D617}"/>
-          </ac:spMkLst>
-        </pc:spChg>
-        <pc:spChg chg="add del mod">
-          <ac:chgData name="Filák Anita 302" userId="S::filani302@hengersor.hu::255a7760-7e33-4947-be21-6089f0df8476" providerId="AD" clId="Web-{EFE53871-6B7F-9E3C-A3C8-F851AC6A41D5}" dt="2025-04-27T19:14:57.716" v="309"/>
-          <ac:spMkLst>
-            <pc:docMk/>
-            <pc:sldMk cId="924267228" sldId="258"/>
-            <ac:spMk id="8" creationId="{5A40A194-4F8A-3E69-AB62-742D50C0DB96}"/>
-          </ac:spMkLst>
-        </pc:spChg>
-        <pc:spChg chg="add mod">
-          <ac:chgData name="Filák Anita 302" userId="S::filani302@hengersor.hu::255a7760-7e33-4947-be21-6089f0df8476" providerId="AD" clId="Web-{EFE53871-6B7F-9E3C-A3C8-F851AC6A41D5}" dt="2025-04-27T19:18:20.128" v="335" actId="20577"/>
-          <ac:spMkLst>
-            <pc:docMk/>
-            <pc:sldMk cId="924267228" sldId="258"/>
-            <ac:spMk id="10" creationId="{98C4C021-B539-F2D6-E698-3FDCED575877}"/>
-          </ac:spMkLst>
-        </pc:spChg>
-        <pc:spChg chg="add mod">
-          <ac:chgData name="Filák Anita 302" userId="S::filani302@hengersor.hu::255a7760-7e33-4947-be21-6089f0df8476" providerId="AD" clId="Web-{EFE53871-6B7F-9E3C-A3C8-F851AC6A41D5}" dt="2025-04-27T19:26:57.895" v="365" actId="14100"/>
-          <ac:spMkLst>
-            <pc:docMk/>
-            <pc:sldMk cId="924267228" sldId="258"/>
-            <ac:spMk id="11" creationId="{53544E6B-6EB6-54A6-D881-06F49BF6CF32}"/>
-          </ac:spMkLst>
-        </pc:spChg>
-        <pc:picChg chg="add mod">
-          <ac:chgData name="Filák Anita 302" userId="S::filani302@hengersor.hu::255a7760-7e33-4947-be21-6089f0df8476" providerId="AD" clId="Web-{EFE53871-6B7F-9E3C-A3C8-F851AC6A41D5}" dt="2025-04-27T19:13:46.198" v="306" actId="1076"/>
-          <ac:picMkLst>
-            <pc:docMk/>
-            <pc:sldMk cId="924267228" sldId="258"/>
-            <ac:picMk id="3" creationId="{6850069A-AC96-69E6-13C3-BD854ACBD076}"/>
-          </ac:picMkLst>
-        </pc:picChg>
-        <pc:picChg chg="add del mod">
-          <ac:chgData name="Filák Anita 302" userId="S::filani302@hengersor.hu::255a7760-7e33-4947-be21-6089f0df8476" providerId="AD" clId="Web-{EFE53871-6B7F-9E3C-A3C8-F851AC6A41D5}" dt="2025-04-27T19:12:54.306" v="293"/>
-          <ac:picMkLst>
-            <pc:docMk/>
-            <pc:sldMk cId="924267228" sldId="258"/>
-            <ac:picMk id="6" creationId="{0F391D49-1CF7-79AE-9451-47899C6DAC99}"/>
-          </ac:picMkLst>
-        </pc:picChg>
-      </pc:sldChg>
-      <pc:sldChg chg="addSp delSp modSp add ord replId">
-        <pc:chgData name="Filák Anita 302" userId="S::filani302@hengersor.hu::255a7760-7e33-4947-be21-6089f0df8476" providerId="AD" clId="Web-{EFE53871-6B7F-9E3C-A3C8-F851AC6A41D5}" dt="2025-04-27T19:46:20.650" v="462" actId="1076"/>
-        <pc:sldMkLst>
-          <pc:docMk/>
-          <pc:sldMk cId="81633199" sldId="259"/>
-        </pc:sldMkLst>
-        <pc:spChg chg="mod">
-          <ac:chgData name="Filák Anita 302" userId="S::filani302@hengersor.hu::255a7760-7e33-4947-be21-6089f0df8476" providerId="AD" clId="Web-{EFE53871-6B7F-9E3C-A3C8-F851AC6A41D5}" dt="2025-04-27T19:41:41.500" v="438" actId="1076"/>
-          <ac:spMkLst>
-            <pc:docMk/>
-            <pc:sldMk cId="81633199" sldId="259"/>
-            <ac:spMk id="2" creationId="{C39D08AB-0332-6BF5-BCFF-F5BBDE926C8E}"/>
-          </ac:spMkLst>
-        </pc:spChg>
-        <pc:spChg chg="add mod">
-          <ac:chgData name="Filák Anita 302" userId="S::filani302@hengersor.hu::255a7760-7e33-4947-be21-6089f0df8476" providerId="AD" clId="Web-{EFE53871-6B7F-9E3C-A3C8-F851AC6A41D5}" dt="2025-04-27T19:17:49.643" v="327" actId="20577"/>
-          <ac:spMkLst>
-            <pc:docMk/>
-            <pc:sldMk cId="81633199" sldId="259"/>
-            <ac:spMk id="8" creationId="{7FFC4D69-978A-70FF-3C31-74539984D834}"/>
-          </ac:spMkLst>
-        </pc:spChg>
-        <pc:spChg chg="add mod">
-          <ac:chgData name="Filák Anita 302" userId="S::filani302@hengersor.hu::255a7760-7e33-4947-be21-6089f0df8476" providerId="AD" clId="Web-{EFE53871-6B7F-9E3C-A3C8-F851AC6A41D5}" dt="2025-04-27T19:46:20.650" v="462" actId="1076"/>
-          <ac:spMkLst>
-            <pc:docMk/>
-            <pc:sldMk cId="81633199" sldId="259"/>
-            <ac:spMk id="11" creationId="{9A189233-4FA3-A1F8-E4C6-0E97DA815E5B}"/>
-          </ac:spMkLst>
-        </pc:spChg>
-        <pc:picChg chg="del">
-          <ac:chgData name="Filák Anita 302" userId="S::filani302@hengersor.hu::255a7760-7e33-4947-be21-6089f0df8476" providerId="AD" clId="Web-{EFE53871-6B7F-9E3C-A3C8-F851AC6A41D5}" dt="2025-04-27T19:12:44.993" v="292"/>
-          <ac:picMkLst>
-            <pc:docMk/>
-            <pc:sldMk cId="81633199" sldId="259"/>
-            <ac:picMk id="3" creationId="{D0772432-8F88-576B-E4F1-D858E2DBC089}"/>
-          </ac:picMkLst>
-        </pc:picChg>
-        <pc:picChg chg="mod">
-          <ac:chgData name="Filák Anita 302" userId="S::filani302@hengersor.hu::255a7760-7e33-4947-be21-6089f0df8476" providerId="AD" clId="Web-{EFE53871-6B7F-9E3C-A3C8-F851AC6A41D5}" dt="2025-04-27T19:13:36.057" v="303" actId="1076"/>
-          <ac:picMkLst>
-            <pc:docMk/>
-            <pc:sldMk cId="81633199" sldId="259"/>
-            <ac:picMk id="6" creationId="{6167B8CA-0E73-31C2-8240-6371149926D5}"/>
-          </ac:picMkLst>
-        </pc:picChg>
-      </pc:sldChg>
-      <pc:sldChg chg="addSp delSp modSp add ord replId">
-        <pc:chgData name="Filák Anita 302" userId="S::filani302@hengersor.hu::255a7760-7e33-4947-be21-6089f0df8476" providerId="AD" clId="Web-{EFE53871-6B7F-9E3C-A3C8-F851AC6A41D5}" dt="2025-04-27T20:08:06.206" v="516" actId="1076"/>
-        <pc:sldMkLst>
-          <pc:docMk/>
-          <pc:sldMk cId="2073003636" sldId="260"/>
-        </pc:sldMkLst>
-        <pc:spChg chg="mod">
-          <ac:chgData name="Filák Anita 302" userId="S::filani302@hengersor.hu::255a7760-7e33-4947-be21-6089f0df8476" providerId="AD" clId="Web-{EFE53871-6B7F-9E3C-A3C8-F851AC6A41D5}" dt="2025-04-27T19:42:24.830" v="445" actId="1076"/>
-          <ac:spMkLst>
-            <pc:docMk/>
-            <pc:sldMk cId="2073003636" sldId="260"/>
-            <ac:spMk id="4" creationId="{DB61E832-60D9-3D9F-9A20-FA4683DE1DFE}"/>
-          </ac:spMkLst>
-        </pc:spChg>
-        <pc:spChg chg="add del">
-          <ac:chgData name="Filák Anita 302" userId="S::filani302@hengersor.hu::255a7760-7e33-4947-be21-6089f0df8476" providerId="AD" clId="Web-{EFE53871-6B7F-9E3C-A3C8-F851AC6A41D5}" dt="2025-04-27T20:05:18.607" v="483"/>
-          <ac:spMkLst>
-            <pc:docMk/>
-            <pc:sldMk cId="2073003636" sldId="260"/>
-            <ac:spMk id="6" creationId="{54547950-6874-B3CF-E308-F8BCB087BB3A}"/>
-          </ac:spMkLst>
-        </pc:spChg>
-        <pc:spChg chg="add del">
-          <ac:chgData name="Filák Anita 302" userId="S::filani302@hengersor.hu::255a7760-7e33-4947-be21-6089f0df8476" providerId="AD" clId="Web-{EFE53871-6B7F-9E3C-A3C8-F851AC6A41D5}" dt="2025-04-27T20:06:10.093" v="485"/>
-          <ac:spMkLst>
-            <pc:docMk/>
-            <pc:sldMk cId="2073003636" sldId="260"/>
-            <ac:spMk id="7" creationId="{E0D92828-D1F4-3628-6395-112569F924FD}"/>
-          </ac:spMkLst>
-        </pc:spChg>
-        <pc:spChg chg="add mod">
-          <ac:chgData name="Filák Anita 302" userId="S::filani302@hengersor.hu::255a7760-7e33-4947-be21-6089f0df8476" providerId="AD" clId="Web-{EFE53871-6B7F-9E3C-A3C8-F851AC6A41D5}" dt="2025-04-27T20:08:06.206" v="516" actId="1076"/>
-          <ac:spMkLst>
-            <pc:docMk/>
-            <pc:sldMk cId="2073003636" sldId="260"/>
-            <ac:spMk id="8" creationId="{E07077EA-1DD7-015B-1C2E-1065787201B4}"/>
-          </ac:spMkLst>
-        </pc:spChg>
-        <pc:spChg chg="del">
-          <ac:chgData name="Filák Anita 302" userId="S::filani302@hengersor.hu::255a7760-7e33-4947-be21-6089f0df8476" providerId="AD" clId="Web-{EFE53871-6B7F-9E3C-A3C8-F851AC6A41D5}" dt="2025-04-27T19:32:30.577" v="429"/>
-          <ac:spMkLst>
-            <pc:docMk/>
-            <pc:sldMk cId="2073003636" sldId="260"/>
-            <ac:spMk id="10" creationId="{6F3C74EF-0226-BBBE-9ADB-173C6CEEFC13}"/>
-          </ac:spMkLst>
-        </pc:spChg>
-        <pc:spChg chg="del">
-          <ac:chgData name="Filák Anita 302" userId="S::filani302@hengersor.hu::255a7760-7e33-4947-be21-6089f0df8476" providerId="AD" clId="Web-{EFE53871-6B7F-9E3C-A3C8-F851AC6A41D5}" dt="2025-04-27T19:32:34.858" v="430"/>
-          <ac:spMkLst>
-            <pc:docMk/>
-            <pc:sldMk cId="2073003636" sldId="260"/>
-            <ac:spMk id="11" creationId="{8209EE42-73DB-BD8A-ABCD-18624512E2A6}"/>
-          </ac:spMkLst>
-        </pc:spChg>
-        <pc:picChg chg="del">
-          <ac:chgData name="Filák Anita 302" userId="S::filani302@hengersor.hu::255a7760-7e33-4947-be21-6089f0df8476" providerId="AD" clId="Web-{EFE53871-6B7F-9E3C-A3C8-F851AC6A41D5}" dt="2025-04-27T19:32:15.561" v="428"/>
-          <ac:picMkLst>
-            <pc:docMk/>
-            <pc:sldMk cId="2073003636" sldId="260"/>
-            <ac:picMk id="3" creationId="{443258A9-16F2-97A4-9FAB-29A6054917D4}"/>
-          </ac:picMkLst>
-        </pc:picChg>
-      </pc:sldChg>
-      <pc:sldChg chg="modSp add del replId">
-        <pc:chgData name="Filák Anita 302" userId="S::filani302@hengersor.hu::255a7760-7e33-4947-be21-6089f0df8476" providerId="AD" clId="Web-{EFE53871-6B7F-9E3C-A3C8-F851AC6A41D5}" dt="2025-04-27T19:55:44.980" v="481"/>
-        <pc:sldMkLst>
-          <pc:docMk/>
-          <pc:sldMk cId="2446977256" sldId="261"/>
-        </pc:sldMkLst>
-        <pc:spChg chg="mod">
-          <ac:chgData name="Filák Anita 302" userId="S::filani302@hengersor.hu::255a7760-7e33-4947-be21-6089f0df8476" providerId="AD" clId="Web-{EFE53871-6B7F-9E3C-A3C8-F851AC6A41D5}" dt="2025-04-27T19:44:36.975" v="458" actId="20577"/>
-          <ac:spMkLst>
-            <pc:docMk/>
-            <pc:sldMk cId="2446977256" sldId="261"/>
-            <ac:spMk id="4" creationId="{9DAD36F2-530A-4FA0-B377-BAE127A304C8}"/>
-          </ac:spMkLst>
-        </pc:spChg>
-      </pc:sldChg>
-      <pc:sldChg chg="addSp delSp modSp add ord replId">
-        <pc:chgData name="Filák Anita 302" userId="S::filani302@hengersor.hu::255a7760-7e33-4947-be21-6089f0df8476" providerId="AD" clId="Web-{EFE53871-6B7F-9E3C-A3C8-F851AC6A41D5}" dt="2025-04-27T20:24:04.848" v="641" actId="20577"/>
-        <pc:sldMkLst>
-          <pc:docMk/>
-          <pc:sldMk cId="4164401334" sldId="262"/>
-        </pc:sldMkLst>
-        <pc:spChg chg="add del">
-          <ac:chgData name="Filák Anita 302" userId="S::filani302@hengersor.hu::255a7760-7e33-4947-be21-6089f0df8476" providerId="AD" clId="Web-{EFE53871-6B7F-9E3C-A3C8-F851AC6A41D5}" dt="2025-04-27T20:10:37.039" v="551"/>
-          <ac:spMkLst>
-            <pc:docMk/>
-            <pc:sldMk cId="4164401334" sldId="262"/>
-            <ac:spMk id="3" creationId="{5607E59A-B4A9-CF8E-EC90-D97261824224}"/>
-          </ac:spMkLst>
-        </pc:spChg>
-        <pc:spChg chg="mod">
-          <ac:chgData name="Filák Anita 302" userId="S::filani302@hengersor.hu::255a7760-7e33-4947-be21-6089f0df8476" providerId="AD" clId="Web-{EFE53871-6B7F-9E3C-A3C8-F851AC6A41D5}" dt="2025-04-27T20:24:04.848" v="641" actId="20577"/>
-          <ac:spMkLst>
-            <pc:docMk/>
-            <pc:sldMk cId="4164401334" sldId="262"/>
-            <ac:spMk id="4" creationId="{EB244B1B-AFC6-5C2F-3B6C-ECE031E58100}"/>
-          </ac:spMkLst>
-        </pc:spChg>
-        <pc:spChg chg="mod">
-          <ac:chgData name="Filák Anita 302" userId="S::filani302@hengersor.hu::255a7760-7e33-4947-be21-6089f0df8476" providerId="AD" clId="Web-{EFE53871-6B7F-9E3C-A3C8-F851AC6A41D5}" dt="2025-04-27T20:10:01.319" v="542" actId="20577"/>
-          <ac:spMkLst>
-            <pc:docMk/>
-            <pc:sldMk cId="4164401334" sldId="262"/>
-            <ac:spMk id="5" creationId="{1253B2F7-CC6B-FCE9-2C16-467F08D6F7AD}"/>
-          </ac:spMkLst>
-        </pc:spChg>
-        <pc:spChg chg="add mod">
-          <ac:chgData name="Filák Anita 302" userId="S::filani302@hengersor.hu::255a7760-7e33-4947-be21-6089f0df8476" providerId="AD" clId="Web-{EFE53871-6B7F-9E3C-A3C8-F851AC6A41D5}" dt="2025-04-27T20:22:05.220" v="637" actId="20577"/>
-          <ac:spMkLst>
-            <pc:docMk/>
-            <pc:sldMk cId="4164401334" sldId="262"/>
-            <ac:spMk id="6" creationId="{815EBE28-6F5F-FD86-BA0E-B91832385F58}"/>
-          </ac:spMkLst>
-        </pc:spChg>
-      </pc:sldChg>
-      <pc:sldChg chg="addSp delSp modSp">
-        <pc:chgData name="Filák Anita 302" userId="S::filani302@hengersor.hu::255a7760-7e33-4947-be21-6089f0df8476" providerId="AD" clId="Web-{EFE53871-6B7F-9E3C-A3C8-F851AC6A41D5}" dt="2025-04-27T20:27:04.635" v="669"/>
-        <pc:sldMkLst>
-          <pc:docMk/>
-          <pc:sldMk cId="2270624464" sldId="263"/>
-        </pc:sldMkLst>
-        <pc:spChg chg="mod ord">
-          <ac:chgData name="Filák Anita 302" userId="S::filani302@hengersor.hu::255a7760-7e33-4947-be21-6089f0df8476" providerId="AD" clId="Web-{EFE53871-6B7F-9E3C-A3C8-F851AC6A41D5}" dt="2025-04-27T20:26:47.619" v="666"/>
-          <ac:spMkLst>
-            <pc:docMk/>
-            <pc:sldMk cId="2270624464" sldId="263"/>
-            <ac:spMk id="5" creationId="{834E831B-E4A6-9BF6-572D-B3F1EFEBA8E8}"/>
-          </ac:spMkLst>
-        </pc:spChg>
-        <pc:picChg chg="add del mod ord">
-          <ac:chgData name="Filák Anita 302" userId="S::filani302@hengersor.hu::255a7760-7e33-4947-be21-6089f0df8476" providerId="AD" clId="Web-{EFE53871-6B7F-9E3C-A3C8-F851AC6A41D5}" dt="2025-04-27T20:27:04.635" v="669"/>
-          <ac:picMkLst>
-            <pc:docMk/>
-            <pc:sldMk cId="2270624464" sldId="263"/>
-            <ac:picMk id="2" creationId="{11768E29-5BCA-4BCA-87C8-A5288295F22D}"/>
-          </ac:picMkLst>
-        </pc:picChg>
-        <pc:picChg chg="add mod">
-          <ac:chgData name="Filák Anita 302" userId="S::filani302@hengersor.hu::255a7760-7e33-4947-be21-6089f0df8476" providerId="AD" clId="Web-{EFE53871-6B7F-9E3C-A3C8-F851AC6A41D5}" dt="2025-04-27T20:17:05.445" v="629" actId="1076"/>
-          <ac:picMkLst>
-            <pc:docMk/>
-            <pc:sldMk cId="2270624464" sldId="263"/>
-            <ac:picMk id="3" creationId="{E41F79C3-BA81-5056-53FE-C5EF9387D9E8}"/>
-          </ac:picMkLst>
-        </pc:picChg>
-      </pc:sldChg>
-      <pc:sldChg chg="modSp add replId">
-        <pc:chgData name="Filák Anita 302" userId="S::filani302@hengersor.hu::255a7760-7e33-4947-be21-6089f0df8476" providerId="AD" clId="Web-{EFE53871-6B7F-9E3C-A3C8-F851AC6A41D5}" dt="2025-04-27T20:38:08.484" v="681" actId="20577"/>
-        <pc:sldMkLst>
-          <pc:docMk/>
-          <pc:sldMk cId="3549872823" sldId="264"/>
-        </pc:sldMkLst>
-        <pc:spChg chg="mod">
-          <ac:chgData name="Filák Anita 302" userId="S::filani302@hengersor.hu::255a7760-7e33-4947-be21-6089f0df8476" providerId="AD" clId="Web-{EFE53871-6B7F-9E3C-A3C8-F851AC6A41D5}" dt="2025-04-27T20:24:23.568" v="656" actId="20577"/>
-          <ac:spMkLst>
-            <pc:docMk/>
-            <pc:sldMk cId="3549872823" sldId="264"/>
-            <ac:spMk id="4" creationId="{8F6B606C-4B8C-4F6A-C66B-9B3B8C7E3111}"/>
-          </ac:spMkLst>
-        </pc:spChg>
-        <pc:spChg chg="mod">
-          <ac:chgData name="Filák Anita 302" userId="S::filani302@hengersor.hu::255a7760-7e33-4947-be21-6089f0df8476" providerId="AD" clId="Web-{EFE53871-6B7F-9E3C-A3C8-F851AC6A41D5}" dt="2025-04-27T20:18:39.541" v="631" actId="1076"/>
-          <ac:spMkLst>
-            <pc:docMk/>
-            <pc:sldMk cId="3549872823" sldId="264"/>
-            <ac:spMk id="5" creationId="{476FBF62-3ABC-DBA3-1F70-A9461D830BBE}"/>
-          </ac:spMkLst>
-        </pc:spChg>
-        <pc:spChg chg="mod">
-          <ac:chgData name="Filák Anita 302" userId="S::filani302@hengersor.hu::255a7760-7e33-4947-be21-6089f0df8476" providerId="AD" clId="Web-{EFE53871-6B7F-9E3C-A3C8-F851AC6A41D5}" dt="2025-04-27T20:38:08.484" v="681" actId="20577"/>
-          <ac:spMkLst>
-            <pc:docMk/>
-            <pc:sldMk cId="3549872823" sldId="264"/>
-            <ac:spMk id="6" creationId="{8D137D2E-5820-4D34-8B9B-F29E7ABC7B41}"/>
-          </ac:spMkLst>
-        </pc:spChg>
-      </pc:sldChg>
-    </pc:docChg>
-  </pc:docChgLst>
-</pc:chgInfo>
 </file>
 
 <file path=ppt/notesMasters/notesMaster1.xml><?xml version="1.0" encoding="utf-8"?>
@@ -810,7 +215,7 @@
           </a:lstStyle>
           <a:p>
             <a:fld id="{F5B50E6B-CB99-4842-8C11-BD22801EA8CB}" type="datetimeFigureOut">
-              <a:t>4/27/2025</a:t>
+              <a:t>5/6/2025</a:t>
             </a:fld>
             <a:endParaRPr lang="en-US"/>
           </a:p>
@@ -2663,71 +2068,1087 @@
           <a:p>
             <a:r>
               <a:rPr lang="en-US" b="1"/>
-              <a:t>🟦Filák Anita – Backend fejlesztő:</a:t>
-            </a:r>
+              <a:t>🟦</a:t>
+            </a:r>
+            <a:r>
+              <a:rPr lang="en-US" b="1" err="1"/>
+              <a:t>Filák</a:t>
+            </a:r>
+            <a:r>
+              <a:rPr lang="en-US" b="1"/>
+              <a:t> Anita – Backend </a:t>
+            </a:r>
+            <a:r>
+              <a:rPr lang="en-US" b="1" err="1"/>
+              <a:t>fejlesztő</a:t>
+            </a:r>
+            <a:r>
+              <a:rPr lang="en-US" b="1"/>
+              <a:t>:</a:t>
+            </a:r>
+            <a:endParaRPr lang="hu-HU"/>
+          </a:p>
+          <a:p>
+            <a:r>
+              <a:rPr lang="en-US"/>
+              <a:t>A </a:t>
+            </a:r>
+            <a:r>
+              <a:rPr lang="en-US" err="1"/>
+              <a:t>ReanBeauty</a:t>
+            </a:r>
+            <a:r>
+              <a:rPr lang="en-US"/>
+              <a:t> </a:t>
+            </a:r>
+            <a:r>
+              <a:rPr lang="en-US" err="1"/>
+              <a:t>projektben</a:t>
+            </a:r>
+            <a:r>
+              <a:rPr lang="en-US"/>
+              <a:t> </a:t>
+            </a:r>
+            <a:r>
+              <a:rPr lang="en-US" err="1"/>
+              <a:t>én</a:t>
+            </a:r>
+            <a:r>
+              <a:rPr lang="en-US"/>
+              <a:t> </a:t>
+            </a:r>
+            <a:r>
+              <a:rPr lang="en-US" err="1"/>
+              <a:t>végeztem</a:t>
+            </a:r>
+            <a:r>
+              <a:rPr lang="en-US"/>
+              <a:t> </a:t>
+            </a:r>
+            <a:r>
+              <a:rPr lang="en-US" err="1"/>
+              <a:t>az</a:t>
+            </a:r>
+            <a:r>
+              <a:rPr lang="en-US"/>
+              <a:t> </a:t>
+            </a:r>
+            <a:r>
+              <a:rPr lang="en-US" err="1"/>
+              <a:t>adatbázis</a:t>
+            </a:r>
+            <a:r>
+              <a:rPr lang="en-US"/>
+              <a:t> </a:t>
+            </a:r>
+            <a:r>
+              <a:rPr lang="en-US" err="1"/>
+              <a:t>tervezését</a:t>
+            </a:r>
+            <a:r>
+              <a:rPr lang="en-US"/>
+              <a:t> </a:t>
+            </a:r>
+            <a:r>
+              <a:rPr lang="en-US" err="1"/>
+              <a:t>és</a:t>
+            </a:r>
+            <a:r>
+              <a:rPr lang="en-US"/>
+              <a:t> </a:t>
+            </a:r>
+            <a:r>
+              <a:rPr lang="en-US" err="1"/>
+              <a:t>kialakítását</a:t>
+            </a:r>
+            <a:r>
+              <a:rPr lang="en-US"/>
+              <a:t>. </a:t>
+            </a:r>
+            <a:r>
+              <a:rPr lang="en-US" err="1"/>
+              <a:t>Meghatároztam</a:t>
+            </a:r>
+            <a:r>
+              <a:rPr lang="en-US"/>
+              <a:t> a </a:t>
+            </a:r>
+            <a:r>
+              <a:rPr lang="en-US" err="1"/>
+              <a:t>szükséges</a:t>
+            </a:r>
+            <a:r>
+              <a:rPr lang="en-US"/>
+              <a:t> </a:t>
+            </a:r>
+            <a:r>
+              <a:rPr lang="en-US" err="1"/>
+              <a:t>táblákat</a:t>
+            </a:r>
+            <a:r>
+              <a:rPr lang="en-US"/>
+              <a:t>, </a:t>
+            </a:r>
+            <a:r>
+              <a:rPr lang="en-US" err="1"/>
+              <a:t>azok</a:t>
+            </a:r>
+            <a:r>
+              <a:rPr lang="en-US"/>
+              <a:t> </a:t>
+            </a:r>
+            <a:r>
+              <a:rPr lang="en-US" err="1"/>
+              <a:t>kapcsolódásait</a:t>
+            </a:r>
+            <a:r>
+              <a:rPr lang="en-US"/>
+              <a:t>, </a:t>
+            </a:r>
+            <a:r>
+              <a:rPr lang="en-US" err="1"/>
+              <a:t>valamint</a:t>
+            </a:r>
+            <a:r>
+              <a:rPr lang="en-US"/>
+              <a:t> </a:t>
+            </a:r>
+            <a:r>
+              <a:rPr lang="en-US" err="1"/>
+              <a:t>az</a:t>
+            </a:r>
+            <a:r>
+              <a:rPr lang="en-US"/>
+              <a:t> </a:t>
+            </a:r>
+            <a:r>
+              <a:rPr lang="en-US" err="1"/>
+              <a:t>adattípusokat</a:t>
+            </a:r>
+            <a:r>
+              <a:rPr lang="en-US"/>
+              <a:t> </a:t>
+            </a:r>
+            <a:r>
+              <a:rPr lang="en-US" err="1"/>
+              <a:t>és</a:t>
+            </a:r>
+            <a:r>
+              <a:rPr lang="en-US"/>
+              <a:t> </a:t>
+            </a:r>
+            <a:r>
+              <a:rPr lang="en-US" err="1"/>
+              <a:t>kulcsokat</a:t>
+            </a:r>
+            <a:r>
+              <a:rPr lang="en-US"/>
+              <a:t>. Az </a:t>
+            </a:r>
+            <a:r>
+              <a:rPr lang="en-US" err="1"/>
+              <a:t>így</a:t>
+            </a:r>
+            <a:r>
+              <a:rPr lang="en-US"/>
+              <a:t> </a:t>
+            </a:r>
+            <a:r>
+              <a:rPr lang="en-US" err="1"/>
+              <a:t>létrehozott</a:t>
+            </a:r>
+            <a:r>
+              <a:rPr lang="en-US"/>
+              <a:t> </a:t>
+            </a:r>
+            <a:r>
+              <a:rPr lang="en-US" err="1"/>
+              <a:t>relációs</a:t>
+            </a:r>
+            <a:r>
+              <a:rPr lang="en-US"/>
+              <a:t> </a:t>
+            </a:r>
+            <a:r>
+              <a:rPr lang="en-US" err="1"/>
+              <a:t>adatbázis</a:t>
+            </a:r>
+            <a:r>
+              <a:rPr lang="en-US"/>
+              <a:t> </a:t>
+            </a:r>
+            <a:r>
+              <a:rPr lang="en-US" err="1"/>
+              <a:t>biztosítja</a:t>
+            </a:r>
+            <a:r>
+              <a:rPr lang="en-US"/>
+              <a:t> </a:t>
+            </a:r>
+            <a:r>
+              <a:rPr lang="en-US" err="1"/>
+              <a:t>az</a:t>
+            </a:r>
+            <a:r>
+              <a:rPr lang="en-US"/>
+              <a:t> </a:t>
+            </a:r>
+            <a:r>
+              <a:rPr lang="en-US" err="1"/>
+              <a:t>alkalmazás</a:t>
+            </a:r>
+            <a:r>
+              <a:rPr lang="en-US"/>
+              <a:t> </a:t>
+            </a:r>
+            <a:r>
+              <a:rPr lang="en-US" err="1"/>
+              <a:t>stabil</a:t>
+            </a:r>
+            <a:r>
+              <a:rPr lang="en-US"/>
+              <a:t> </a:t>
+            </a:r>
+            <a:r>
+              <a:rPr lang="en-US" err="1"/>
+              <a:t>és</a:t>
+            </a:r>
+            <a:r>
+              <a:rPr lang="en-US"/>
+              <a:t> </a:t>
+            </a:r>
+            <a:r>
+              <a:rPr lang="en-US" err="1"/>
+              <a:t>átlátható</a:t>
+            </a:r>
+            <a:r>
+              <a:rPr lang="en-US"/>
+              <a:t> </a:t>
+            </a:r>
+            <a:r>
+              <a:rPr lang="en-US" err="1"/>
+              <a:t>adatkezelését</a:t>
+            </a:r>
+            <a:r>
+              <a:rPr lang="en-US"/>
+              <a:t>.</a:t>
+            </a:r>
+            <a:endParaRPr lang="en-US">
+              <a:ea typeface="Calibri"/>
+              <a:cs typeface="Calibri"/>
+            </a:endParaRPr>
+          </a:p>
+          <a:p>
             <a:endParaRPr lang="en-US"/>
           </a:p>
           <a:p>
-            <a:pPr marL="285750" indent="-285750">
-              <a:buFont typeface="Arial,Sans-Serif"/>
-              <a:buChar char="•"/>
-            </a:pPr>
-            <a:r>
-              <a:rPr lang="en-US"/>
-              <a:t>Laravel alapú szerveroldali logika megvalósítása.</a:t>
-            </a:r>
-          </a:p>
-          <a:p>
-            <a:pPr marL="285750" indent="-285750">
-              <a:buFont typeface="Arial,Sans-Serif"/>
-              <a:buChar char="•"/>
-            </a:pPr>
-            <a:r>
-              <a:rPr lang="en-US"/>
-              <a:t>Adatkezelés, validációk, backend funkciók kialakítása.</a:t>
-            </a:r>
-          </a:p>
-          <a:p>
-            <a:pPr marL="285750" indent="-285750">
-              <a:buFont typeface="Arial,Sans-Serif"/>
-              <a:buChar char="•"/>
-            </a:pPr>
-            <a:r>
-              <a:rPr lang="en-US"/>
-              <a:t>Frontend kiszolgálása dinamikus tartalommal.</a:t>
-            </a:r>
-          </a:p>
-          <a:p>
-            <a:r>
-              <a:rPr lang="en-US"/>
-              <a:t>Közös munkarészek:</a:t>
-            </a:r>
-          </a:p>
-          <a:p>
-            <a:pPr marL="285750" indent="-285750">
-              <a:buFont typeface="Arial,Sans-Serif"/>
-              <a:buChar char="•"/>
-            </a:pPr>
-            <a:r>
-              <a:rPr lang="en-US"/>
-              <a:t>Weboldal témájának kiválasztása.</a:t>
-            </a:r>
-          </a:p>
-          <a:p>
-            <a:pPr marL="285750" indent="-285750">
-              <a:buFont typeface="Arial,Sans-Serif"/>
-              <a:buChar char="•"/>
-            </a:pPr>
-            <a:r>
-              <a:rPr lang="en-US"/>
-              <a:t>Drótváz (wireframe) közös megtervezése.</a:t>
-            </a:r>
+            <a:r>
+              <a:rPr lang="en-US" err="1"/>
+              <a:t>Emellett</a:t>
+            </a:r>
+            <a:r>
+              <a:rPr lang="en-US"/>
+              <a:t> </a:t>
+            </a:r>
+            <a:r>
+              <a:rPr lang="en-US" err="1"/>
+              <a:t>én</a:t>
+            </a:r>
+            <a:r>
+              <a:rPr lang="en-US"/>
+              <a:t> </a:t>
+            </a:r>
+            <a:r>
+              <a:rPr lang="en-US" err="1"/>
+              <a:t>alakítottam</a:t>
+            </a:r>
+            <a:r>
+              <a:rPr lang="en-US"/>
+              <a:t> ki a controller </a:t>
+            </a:r>
+            <a:r>
+              <a:rPr lang="en-US" err="1"/>
+              <a:t>réteget</a:t>
+            </a:r>
+            <a:r>
+              <a:rPr lang="en-US"/>
+              <a:t> is, </a:t>
+            </a:r>
+            <a:r>
+              <a:rPr lang="en-US" err="1"/>
+              <a:t>amely</a:t>
+            </a:r>
+            <a:r>
+              <a:rPr lang="en-US"/>
+              <a:t> </a:t>
+            </a:r>
+            <a:r>
+              <a:rPr lang="en-US" err="1"/>
+              <a:t>az</a:t>
+            </a:r>
+            <a:r>
+              <a:rPr lang="en-US"/>
+              <a:t> </a:t>
+            </a:r>
+            <a:r>
+              <a:rPr lang="en-US" err="1"/>
+              <a:t>adatok</a:t>
+            </a:r>
+            <a:r>
+              <a:rPr lang="en-US"/>
+              <a:t> </a:t>
+            </a:r>
+            <a:r>
+              <a:rPr lang="en-US" err="1"/>
+              <a:t>kezeléséért</a:t>
+            </a:r>
+            <a:r>
+              <a:rPr lang="en-US"/>
+              <a:t> </a:t>
+            </a:r>
+            <a:r>
+              <a:rPr lang="en-US" err="1"/>
+              <a:t>felelős</a:t>
+            </a:r>
+            <a:r>
+              <a:rPr lang="en-US"/>
+              <a:t> a </a:t>
+            </a:r>
+            <a:r>
+              <a:rPr lang="en-US" err="1"/>
+              <a:t>felhasználói</a:t>
+            </a:r>
+            <a:r>
+              <a:rPr lang="en-US"/>
+              <a:t> </a:t>
+            </a:r>
+            <a:r>
+              <a:rPr lang="en-US" err="1"/>
+              <a:t>műveletek</a:t>
+            </a:r>
+            <a:r>
+              <a:rPr lang="en-US"/>
+              <a:t> </a:t>
+            </a:r>
+            <a:r>
+              <a:rPr lang="en-US" err="1"/>
+              <a:t>és</a:t>
+            </a:r>
+            <a:r>
+              <a:rPr lang="en-US"/>
+              <a:t> a </a:t>
+            </a:r>
+            <a:r>
+              <a:rPr lang="en-US" err="1"/>
+              <a:t>háttérfolyamatok</a:t>
+            </a:r>
+            <a:r>
+              <a:rPr lang="en-US"/>
+              <a:t> </a:t>
+            </a:r>
+            <a:r>
+              <a:rPr lang="en-US" err="1"/>
+              <a:t>között</a:t>
+            </a:r>
+            <a:r>
+              <a:rPr lang="en-US"/>
+              <a:t>. Itt </a:t>
+            </a:r>
+            <a:r>
+              <a:rPr lang="en-US" err="1"/>
+              <a:t>történik</a:t>
+            </a:r>
+            <a:r>
+              <a:rPr lang="en-US"/>
+              <a:t> </a:t>
+            </a:r>
+            <a:r>
+              <a:rPr lang="en-US" err="1"/>
+              <a:t>az</a:t>
+            </a:r>
+            <a:r>
+              <a:rPr lang="en-US"/>
+              <a:t> </a:t>
+            </a:r>
+            <a:r>
+              <a:rPr lang="en-US" err="1"/>
+              <a:t>adatok</a:t>
+            </a:r>
+            <a:r>
+              <a:rPr lang="en-US"/>
+              <a:t> </a:t>
+            </a:r>
+            <a:r>
+              <a:rPr lang="en-US" err="1"/>
+              <a:t>lekérése</a:t>
+            </a:r>
+            <a:r>
+              <a:rPr lang="en-US"/>
+              <a:t>, </a:t>
+            </a:r>
+            <a:r>
+              <a:rPr lang="en-US" err="1"/>
+              <a:t>mentése</a:t>
+            </a:r>
+            <a:r>
+              <a:rPr lang="en-US"/>
+              <a:t> </a:t>
+            </a:r>
+            <a:r>
+              <a:rPr lang="en-US" err="1"/>
+              <a:t>és</a:t>
+            </a:r>
+            <a:r>
+              <a:rPr lang="en-US"/>
+              <a:t> </a:t>
+            </a:r>
+            <a:r>
+              <a:rPr lang="en-US" err="1"/>
+              <a:t>frissítése</a:t>
+            </a:r>
+            <a:r>
+              <a:rPr lang="en-US"/>
+              <a:t>.</a:t>
+            </a:r>
+            <a:endParaRPr lang="en-US">
+              <a:ea typeface="Calibri"/>
+              <a:cs typeface="Calibri"/>
+            </a:endParaRPr>
           </a:p>
           <a:p>
             <a:endParaRPr lang="en-US"/>
           </a:p>
           <a:p>
+            <a:r>
+              <a:rPr lang="en-US"/>
+              <a:t>A </a:t>
+            </a:r>
+            <a:r>
+              <a:rPr lang="en-US" err="1"/>
+              <a:t>migrációk</a:t>
+            </a:r>
+            <a:r>
+              <a:rPr lang="en-US"/>
+              <a:t> </a:t>
+            </a:r>
+            <a:r>
+              <a:rPr lang="en-US" err="1"/>
+              <a:t>segítségével</a:t>
+            </a:r>
+            <a:r>
+              <a:rPr lang="en-US"/>
+              <a:t> </a:t>
+            </a:r>
+            <a:r>
+              <a:rPr lang="en-US" err="1"/>
+              <a:t>lehetővé</a:t>
+            </a:r>
+            <a:r>
+              <a:rPr lang="en-US"/>
+              <a:t> </a:t>
+            </a:r>
+            <a:r>
+              <a:rPr lang="en-US" err="1"/>
+              <a:t>tettem</a:t>
+            </a:r>
+            <a:r>
+              <a:rPr lang="en-US"/>
+              <a:t>, </a:t>
+            </a:r>
+            <a:r>
+              <a:rPr lang="en-US" err="1"/>
+              <a:t>hogy</a:t>
+            </a:r>
+            <a:r>
+              <a:rPr lang="en-US"/>
+              <a:t> </a:t>
+            </a:r>
+            <a:r>
+              <a:rPr lang="en-US" err="1"/>
+              <a:t>az</a:t>
+            </a:r>
+            <a:r>
+              <a:rPr lang="en-US"/>
+              <a:t> </a:t>
+            </a:r>
+            <a:r>
+              <a:rPr lang="en-US" err="1"/>
+              <a:t>adatbázis</a:t>
+            </a:r>
+            <a:r>
+              <a:rPr lang="en-US"/>
+              <a:t> </a:t>
+            </a:r>
+            <a:r>
+              <a:rPr lang="en-US" err="1"/>
+              <a:t>szerkezetének</a:t>
+            </a:r>
+            <a:r>
+              <a:rPr lang="en-US"/>
+              <a:t> </a:t>
+            </a:r>
+            <a:r>
+              <a:rPr lang="en-US" err="1"/>
+              <a:t>minden</a:t>
+            </a:r>
+            <a:r>
+              <a:rPr lang="en-US"/>
+              <a:t> </a:t>
+            </a:r>
+            <a:r>
+              <a:rPr lang="en-US" err="1"/>
+              <a:t>változása</a:t>
+            </a:r>
+            <a:r>
+              <a:rPr lang="en-US"/>
+              <a:t> </a:t>
+            </a:r>
+            <a:r>
+              <a:rPr lang="en-US" err="1"/>
+              <a:t>rögzítve</a:t>
+            </a:r>
+            <a:r>
+              <a:rPr lang="en-US"/>
+              <a:t> </a:t>
+            </a:r>
+            <a:r>
+              <a:rPr lang="en-US" err="1"/>
+              <a:t>legyen</a:t>
+            </a:r>
+            <a:r>
+              <a:rPr lang="en-US"/>
+              <a:t>. </a:t>
+            </a:r>
+            <a:r>
+              <a:rPr lang="en-US" err="1"/>
+              <a:t>Így</a:t>
+            </a:r>
+            <a:r>
+              <a:rPr lang="en-US"/>
+              <a:t> </a:t>
+            </a:r>
+            <a:r>
+              <a:rPr lang="en-US" err="1"/>
+              <a:t>mindig</a:t>
+            </a:r>
+            <a:r>
+              <a:rPr lang="en-US"/>
+              <a:t> </a:t>
+            </a:r>
+            <a:r>
+              <a:rPr lang="en-US" err="1"/>
+              <a:t>pontosan</a:t>
+            </a:r>
+            <a:r>
+              <a:rPr lang="en-US"/>
+              <a:t> </a:t>
+            </a:r>
+            <a:r>
+              <a:rPr lang="en-US" err="1"/>
+              <a:t>látható</a:t>
+            </a:r>
+            <a:r>
+              <a:rPr lang="en-US"/>
+              <a:t>, </a:t>
+            </a:r>
+            <a:r>
+              <a:rPr lang="en-US" err="1"/>
+              <a:t>mikor</a:t>
+            </a:r>
+            <a:r>
+              <a:rPr lang="en-US"/>
+              <a:t> </a:t>
+            </a:r>
+            <a:r>
+              <a:rPr lang="en-US" err="1"/>
+              <a:t>és</a:t>
+            </a:r>
+            <a:r>
+              <a:rPr lang="en-US"/>
+              <a:t> </a:t>
+            </a:r>
+            <a:r>
+              <a:rPr lang="en-US" err="1"/>
+              <a:t>milyen</a:t>
+            </a:r>
+            <a:r>
+              <a:rPr lang="en-US"/>
+              <a:t> </a:t>
+            </a:r>
+            <a:r>
+              <a:rPr lang="en-US" err="1"/>
+              <a:t>módosítás</a:t>
+            </a:r>
+            <a:r>
+              <a:rPr lang="en-US"/>
+              <a:t> </a:t>
+            </a:r>
+            <a:r>
+              <a:rPr lang="en-US" err="1"/>
+              <a:t>történt</a:t>
+            </a:r>
+            <a:r>
+              <a:rPr lang="en-US"/>
+              <a:t>, </a:t>
+            </a:r>
+            <a:r>
+              <a:rPr lang="en-US" err="1"/>
+              <a:t>és</a:t>
+            </a:r>
+            <a:r>
+              <a:rPr lang="en-US"/>
+              <a:t> </a:t>
+            </a:r>
+            <a:r>
+              <a:rPr lang="en-US" err="1"/>
+              <a:t>szükség</a:t>
+            </a:r>
+            <a:r>
+              <a:rPr lang="en-US"/>
+              <a:t> </a:t>
+            </a:r>
+            <a:r>
+              <a:rPr lang="en-US" err="1"/>
+              <a:t>esetén</a:t>
+            </a:r>
+            <a:r>
+              <a:rPr lang="en-US"/>
+              <a:t> </a:t>
+            </a:r>
+            <a:r>
+              <a:rPr lang="en-US" err="1"/>
+              <a:t>vissza</a:t>
+            </a:r>
+            <a:r>
+              <a:rPr lang="en-US"/>
+              <a:t> </a:t>
+            </a:r>
+            <a:r>
+              <a:rPr lang="en-US" err="1"/>
+              <a:t>lehetett</a:t>
+            </a:r>
+            <a:r>
+              <a:rPr lang="en-US"/>
+              <a:t> </a:t>
+            </a:r>
+            <a:r>
+              <a:rPr lang="en-US" err="1"/>
+              <a:t>állítani</a:t>
+            </a:r>
+            <a:r>
+              <a:rPr lang="en-US"/>
+              <a:t> </a:t>
+            </a:r>
+            <a:r>
+              <a:rPr lang="en-US" err="1"/>
+              <a:t>egy</a:t>
+            </a:r>
+            <a:r>
+              <a:rPr lang="en-US"/>
+              <a:t> </a:t>
+            </a:r>
+            <a:r>
+              <a:rPr lang="en-US" err="1"/>
+              <a:t>korábbi</a:t>
+            </a:r>
+            <a:r>
+              <a:rPr lang="en-US"/>
+              <a:t> </a:t>
+            </a:r>
+            <a:r>
+              <a:rPr lang="en-US" err="1"/>
+              <a:t>állapotot</a:t>
+            </a:r>
+            <a:r>
+              <a:rPr lang="en-US"/>
+              <a:t>. </a:t>
+            </a:r>
+            <a:r>
+              <a:rPr lang="en-US" err="1"/>
+              <a:t>Ez</a:t>
+            </a:r>
+            <a:r>
+              <a:rPr lang="en-US"/>
+              <a:t> </a:t>
+            </a:r>
+            <a:r>
+              <a:rPr lang="en-US" err="1"/>
+              <a:t>megbízhatóbbá</a:t>
+            </a:r>
+            <a:r>
+              <a:rPr lang="en-US"/>
+              <a:t> </a:t>
+            </a:r>
+            <a:r>
+              <a:rPr lang="en-US" err="1"/>
+              <a:t>és</a:t>
+            </a:r>
+            <a:r>
+              <a:rPr lang="en-US"/>
+              <a:t> </a:t>
+            </a:r>
+            <a:r>
+              <a:rPr lang="en-US" err="1"/>
+              <a:t>átláthatóbbá</a:t>
+            </a:r>
+            <a:r>
+              <a:rPr lang="en-US"/>
+              <a:t> </a:t>
+            </a:r>
+            <a:r>
+              <a:rPr lang="en-US" err="1"/>
+              <a:t>tette</a:t>
+            </a:r>
+            <a:r>
+              <a:rPr lang="en-US"/>
+              <a:t> a </a:t>
+            </a:r>
+            <a:r>
+              <a:rPr lang="en-US" err="1"/>
+              <a:t>fejlesztést</a:t>
+            </a:r>
+            <a:r>
+              <a:rPr lang="en-US"/>
+              <a:t>.</a:t>
+            </a:r>
             <a:endParaRPr lang="en-US">
+              <a:ea typeface="Calibri"/>
+              <a:cs typeface="Calibri"/>
+            </a:endParaRPr>
+          </a:p>
+          <a:p>
+            <a:endParaRPr lang="en-US"/>
+          </a:p>
+          <a:p>
+            <a:r>
+              <a:rPr lang="en-US"/>
+              <a:t>A </a:t>
+            </a:r>
+            <a:r>
+              <a:rPr lang="en-US" err="1"/>
+              <a:t>modellek</a:t>
+            </a:r>
+            <a:r>
+              <a:rPr lang="en-US"/>
+              <a:t> </a:t>
+            </a:r>
+            <a:r>
+              <a:rPr lang="en-US" err="1"/>
+              <a:t>megírásával</a:t>
+            </a:r>
+            <a:r>
+              <a:rPr lang="en-US"/>
+              <a:t> </a:t>
+            </a:r>
+            <a:r>
+              <a:rPr lang="en-US" err="1"/>
+              <a:t>összekapcsoltam</a:t>
+            </a:r>
+            <a:r>
+              <a:rPr lang="en-US"/>
+              <a:t> </a:t>
+            </a:r>
+            <a:r>
+              <a:rPr lang="en-US" err="1"/>
+              <a:t>az</a:t>
+            </a:r>
+            <a:r>
+              <a:rPr lang="en-US"/>
+              <a:t> </a:t>
+            </a:r>
+            <a:r>
+              <a:rPr lang="en-US" err="1"/>
+              <a:t>adatbázist</a:t>
+            </a:r>
+            <a:r>
+              <a:rPr lang="en-US"/>
+              <a:t> </a:t>
+            </a:r>
+            <a:r>
+              <a:rPr lang="en-US" err="1"/>
+              <a:t>az</a:t>
+            </a:r>
+            <a:r>
+              <a:rPr lang="en-US"/>
+              <a:t> </a:t>
+            </a:r>
+            <a:r>
+              <a:rPr lang="en-US" err="1"/>
+              <a:t>alkalmazás</a:t>
+            </a:r>
+            <a:r>
+              <a:rPr lang="en-US"/>
+              <a:t> </a:t>
+            </a:r>
+            <a:r>
+              <a:rPr lang="en-US" err="1"/>
+              <a:t>működésével</a:t>
+            </a:r>
+            <a:r>
+              <a:rPr lang="en-US"/>
+              <a:t>. Minden </a:t>
+            </a:r>
+            <a:r>
+              <a:rPr lang="en-US" err="1"/>
+              <a:t>modell</a:t>
+            </a:r>
+            <a:r>
+              <a:rPr lang="en-US"/>
+              <a:t> </a:t>
+            </a:r>
+            <a:r>
+              <a:rPr lang="en-US" err="1"/>
+              <a:t>egy</a:t>
+            </a:r>
+            <a:r>
+              <a:rPr lang="en-US"/>
+              <a:t> </a:t>
+            </a:r>
+            <a:r>
+              <a:rPr lang="en-US" err="1"/>
+              <a:t>adatbázis-táblát</a:t>
+            </a:r>
+            <a:r>
+              <a:rPr lang="en-US"/>
+              <a:t> </a:t>
+            </a:r>
+            <a:r>
+              <a:rPr lang="en-US" err="1"/>
+              <a:t>képvisel</a:t>
+            </a:r>
+            <a:r>
+              <a:rPr lang="en-US"/>
+              <a:t>, </a:t>
+            </a:r>
+            <a:r>
+              <a:rPr lang="en-US" err="1"/>
+              <a:t>és</a:t>
+            </a:r>
+            <a:r>
+              <a:rPr lang="en-US"/>
+              <a:t> </a:t>
+            </a:r>
+            <a:r>
+              <a:rPr lang="en-US" err="1"/>
+              <a:t>tartalmazza</a:t>
+            </a:r>
+            <a:r>
+              <a:rPr lang="en-US"/>
+              <a:t> </a:t>
+            </a:r>
+            <a:r>
+              <a:rPr lang="en-US" err="1"/>
+              <a:t>az</a:t>
+            </a:r>
+            <a:r>
+              <a:rPr lang="en-US"/>
+              <a:t> </a:t>
+            </a:r>
+            <a:r>
+              <a:rPr lang="en-US" err="1"/>
+              <a:t>adott</a:t>
+            </a:r>
+            <a:r>
+              <a:rPr lang="en-US"/>
+              <a:t> </a:t>
+            </a:r>
+            <a:r>
+              <a:rPr lang="en-US" err="1"/>
+              <a:t>tábla</a:t>
+            </a:r>
+            <a:r>
+              <a:rPr lang="en-US"/>
+              <a:t> </a:t>
+            </a:r>
+            <a:r>
+              <a:rPr lang="en-US" err="1"/>
+              <a:t>mezőit</a:t>
+            </a:r>
+            <a:r>
+              <a:rPr lang="en-US"/>
+              <a:t>, a </a:t>
+            </a:r>
+            <a:r>
+              <a:rPr lang="en-US" err="1"/>
+              <a:t>más</a:t>
+            </a:r>
+            <a:r>
+              <a:rPr lang="en-US"/>
+              <a:t> </a:t>
+            </a:r>
+            <a:r>
+              <a:rPr lang="en-US" err="1"/>
+              <a:t>táblákhoz</a:t>
+            </a:r>
+            <a:r>
+              <a:rPr lang="en-US"/>
+              <a:t> </a:t>
+            </a:r>
+            <a:r>
+              <a:rPr lang="en-US" err="1"/>
+              <a:t>való</a:t>
+            </a:r>
+            <a:r>
+              <a:rPr lang="en-US"/>
+              <a:t> </a:t>
+            </a:r>
+            <a:r>
+              <a:rPr lang="en-US" err="1"/>
+              <a:t>kapcsolatait</a:t>
+            </a:r>
+            <a:r>
+              <a:rPr lang="en-US"/>
+              <a:t>, </a:t>
+            </a:r>
+            <a:r>
+              <a:rPr lang="en-US" err="1"/>
+              <a:t>valamint</a:t>
+            </a:r>
+            <a:r>
+              <a:rPr lang="en-US"/>
+              <a:t> </a:t>
+            </a:r>
+            <a:r>
+              <a:rPr lang="en-US" err="1"/>
+              <a:t>azokat</a:t>
+            </a:r>
+            <a:r>
+              <a:rPr lang="en-US"/>
+              <a:t> a </a:t>
+            </a:r>
+            <a:r>
+              <a:rPr lang="en-US" err="1"/>
+              <a:t>szabályokat</a:t>
+            </a:r>
+            <a:r>
+              <a:rPr lang="en-US"/>
+              <a:t>, </a:t>
+            </a:r>
+            <a:r>
+              <a:rPr lang="en-US" err="1"/>
+              <a:t>amik</a:t>
+            </a:r>
+            <a:r>
+              <a:rPr lang="en-US"/>
+              <a:t> </a:t>
+            </a:r>
+            <a:r>
+              <a:rPr lang="en-US" err="1"/>
+              <a:t>az</a:t>
+            </a:r>
+            <a:r>
+              <a:rPr lang="en-US"/>
+              <a:t> </a:t>
+            </a:r>
+            <a:r>
+              <a:rPr lang="en-US" err="1"/>
+              <a:t>adatokra</a:t>
+            </a:r>
+            <a:r>
+              <a:rPr lang="en-US"/>
+              <a:t> </a:t>
+            </a:r>
+            <a:r>
+              <a:rPr lang="en-US" err="1"/>
+              <a:t>vonatkoznak</a:t>
+            </a:r>
+            <a:r>
+              <a:rPr lang="en-US"/>
+              <a:t>. </a:t>
+            </a:r>
+            <a:r>
+              <a:rPr lang="en-US" err="1"/>
+              <a:t>Ez</a:t>
+            </a:r>
+            <a:r>
+              <a:rPr lang="en-US"/>
+              <a:t> </a:t>
+            </a:r>
+            <a:r>
+              <a:rPr lang="en-US" err="1"/>
+              <a:t>biztosította</a:t>
+            </a:r>
+            <a:r>
+              <a:rPr lang="en-US"/>
+              <a:t>, </a:t>
+            </a:r>
+            <a:r>
+              <a:rPr lang="en-US" err="1"/>
+              <a:t>hogy</a:t>
+            </a:r>
+            <a:r>
+              <a:rPr lang="en-US"/>
+              <a:t> </a:t>
+            </a:r>
+            <a:r>
+              <a:rPr lang="en-US" err="1"/>
+              <a:t>az</a:t>
+            </a:r>
+            <a:r>
+              <a:rPr lang="en-US"/>
+              <a:t> </a:t>
+            </a:r>
+            <a:r>
+              <a:rPr lang="en-US" err="1"/>
+              <a:t>alkalmazás</a:t>
+            </a:r>
+            <a:r>
+              <a:rPr lang="en-US"/>
+              <a:t> </a:t>
+            </a:r>
+            <a:r>
+              <a:rPr lang="en-US" err="1"/>
+              <a:t>és</a:t>
+            </a:r>
+            <a:r>
+              <a:rPr lang="en-US"/>
+              <a:t> </a:t>
+            </a:r>
+            <a:r>
+              <a:rPr lang="en-US" err="1"/>
+              <a:t>az</a:t>
+            </a:r>
+            <a:r>
+              <a:rPr lang="en-US"/>
+              <a:t> </a:t>
+            </a:r>
+            <a:r>
+              <a:rPr lang="en-US" err="1"/>
+              <a:t>adatbázis</a:t>
+            </a:r>
+            <a:r>
+              <a:rPr lang="en-US"/>
+              <a:t> </a:t>
+            </a:r>
+            <a:r>
+              <a:rPr lang="en-US" err="1"/>
+              <a:t>összhangban</a:t>
+            </a:r>
+            <a:r>
+              <a:rPr lang="en-US"/>
+              <a:t> </a:t>
+            </a:r>
+            <a:r>
+              <a:rPr lang="en-US" err="1"/>
+              <a:t>működjön</a:t>
+            </a:r>
+            <a:r>
+              <a:rPr lang="en-US"/>
+              <a:t>.</a:t>
+            </a:r>
+            <a:endParaRPr lang="en-US">
+              <a:ea typeface="Calibri"/>
+              <a:cs typeface="Calibri"/>
+            </a:endParaRPr>
+          </a:p>
+          <a:p>
+            <a:endParaRPr lang="en-US">
+              <a:ea typeface="Calibri"/>
+              <a:cs typeface="Calibri"/>
+            </a:endParaRPr>
+          </a:p>
+          <a:p>
+            <a:endParaRPr lang="en-US" b="1">
               <a:ea typeface="Calibri"/>
               <a:cs typeface="Calibri"/>
             </a:endParaRPr>
@@ -2815,19 +3236,522 @@
           <a:p>
             <a:r>
               <a:rPr lang="en-US"/>
-              <a:t>🟥Future developments include expanding the admin panel to manage users, products, favorites, and comments. We also plan to add an AJAX-based like system that will work without reloading the page, providing real-time feedback and a better user experience. </a:t>
-            </a:r>
-          </a:p>
-          <a:p>
-            <a:endParaRPr lang="en-US"/>
-          </a:p>
-          <a:p>
-            <a:r>
-              <a:rPr lang="en-US"/>
-              <a:t>🟦A new database table will be created for allergen management, with expert involvement, allowing products to be filtered by allergens. Additionally, product categories will be expanded to include makeup, cleaning products, and perfumes, offering new filtering and management options.</a:t>
-            </a:r>
-          </a:p>
-          <a:p>
+              <a:t> 🟦A </a:t>
+            </a:r>
+            <a:r>
+              <a:rPr lang="en-US" err="1"/>
+              <a:t>ReanBeauty</a:t>
+            </a:r>
+            <a:r>
+              <a:rPr lang="en-US"/>
+              <a:t> </a:t>
+            </a:r>
+            <a:r>
+              <a:rPr lang="en-US" err="1"/>
+              <a:t>projekt</a:t>
+            </a:r>
+            <a:r>
+              <a:rPr lang="en-US"/>
+              <a:t> </a:t>
+            </a:r>
+            <a:r>
+              <a:rPr lang="en-US" err="1"/>
+              <a:t>relációs</a:t>
+            </a:r>
+            <a:r>
+              <a:rPr lang="en-US"/>
+              <a:t> </a:t>
+            </a:r>
+            <a:r>
+              <a:rPr lang="en-US" err="1"/>
+              <a:t>adatbázist</a:t>
+            </a:r>
+            <a:r>
+              <a:rPr lang="en-US"/>
+              <a:t> </a:t>
+            </a:r>
+            <a:r>
+              <a:rPr lang="en-US" err="1"/>
+              <a:t>használ</a:t>
+            </a:r>
+            <a:r>
+              <a:rPr lang="en-US"/>
+              <a:t>, </a:t>
+            </a:r>
+            <a:r>
+              <a:rPr lang="en-US" err="1"/>
+              <a:t>amely</a:t>
+            </a:r>
+            <a:r>
+              <a:rPr lang="en-US"/>
+              <a:t> 7 </a:t>
+            </a:r>
+            <a:r>
+              <a:rPr lang="en-US" err="1"/>
+              <a:t>fő</a:t>
+            </a:r>
+            <a:r>
+              <a:rPr lang="en-US"/>
+              <a:t> </a:t>
+            </a:r>
+            <a:r>
+              <a:rPr lang="en-US" err="1"/>
+              <a:t>táblából</a:t>
+            </a:r>
+            <a:r>
+              <a:rPr lang="en-US"/>
+              <a:t> </a:t>
+            </a:r>
+            <a:r>
+              <a:rPr lang="en-US" err="1"/>
+              <a:t>áll</a:t>
+            </a:r>
+            <a:r>
+              <a:rPr lang="en-US"/>
+              <a:t>. A </a:t>
+            </a:r>
+            <a:r>
+              <a:rPr lang="en-US" err="1"/>
+              <a:t>központi</a:t>
+            </a:r>
+            <a:r>
+              <a:rPr lang="en-US"/>
+              <a:t> </a:t>
+            </a:r>
+            <a:r>
+              <a:rPr lang="en-US" b="1"/>
+              <a:t>users</a:t>
+            </a:r>
+            <a:r>
+              <a:rPr lang="en-US"/>
+              <a:t> </a:t>
+            </a:r>
+            <a:r>
+              <a:rPr lang="en-US" err="1"/>
+              <a:t>tábla</a:t>
+            </a:r>
+            <a:r>
+              <a:rPr lang="en-US"/>
+              <a:t> </a:t>
+            </a:r>
+            <a:r>
+              <a:rPr lang="en-US" err="1"/>
+              <a:t>tárolja</a:t>
+            </a:r>
+            <a:r>
+              <a:rPr lang="en-US"/>
+              <a:t> a </a:t>
+            </a:r>
+            <a:r>
+              <a:rPr lang="en-US" err="1"/>
+              <a:t>felhasználók</a:t>
+            </a:r>
+            <a:r>
+              <a:rPr lang="en-US"/>
+              <a:t> </a:t>
+            </a:r>
+            <a:r>
+              <a:rPr lang="en-US" err="1"/>
+              <a:t>adatait</a:t>
+            </a:r>
+            <a:r>
+              <a:rPr lang="en-US"/>
+              <a:t>, </a:t>
+            </a:r>
+            <a:r>
+              <a:rPr lang="en-US" err="1"/>
+              <a:t>például</a:t>
+            </a:r>
+            <a:r>
+              <a:rPr lang="en-US"/>
+              <a:t> a </a:t>
+            </a:r>
+            <a:r>
+              <a:rPr lang="en-US" err="1"/>
+              <a:t>felhasználónevet</a:t>
+            </a:r>
+            <a:r>
+              <a:rPr lang="en-US"/>
+              <a:t>, e-mail </a:t>
+            </a:r>
+            <a:r>
+              <a:rPr lang="en-US" err="1"/>
+              <a:t>címet</a:t>
+            </a:r>
+            <a:r>
+              <a:rPr lang="en-US"/>
+              <a:t>, </a:t>
+            </a:r>
+            <a:r>
+              <a:rPr lang="en-US" err="1"/>
+              <a:t>szerepkört</a:t>
+            </a:r>
+            <a:r>
+              <a:rPr lang="en-US"/>
+              <a:t> </a:t>
+            </a:r>
+            <a:r>
+              <a:rPr lang="en-US" err="1"/>
+              <a:t>és</a:t>
+            </a:r>
+            <a:r>
+              <a:rPr lang="en-US"/>
+              <a:t> </a:t>
+            </a:r>
+            <a:r>
+              <a:rPr lang="en-US" err="1"/>
+              <a:t>jelszót</a:t>
+            </a:r>
+            <a:r>
+              <a:rPr lang="en-US"/>
+              <a:t>. </a:t>
+            </a:r>
+            <a:r>
+              <a:rPr lang="en-US" err="1"/>
+              <a:t>Innen</a:t>
+            </a:r>
+            <a:r>
+              <a:rPr lang="en-US"/>
+              <a:t> </a:t>
+            </a:r>
+            <a:r>
+              <a:rPr lang="en-US" err="1"/>
+              <a:t>indulnak</a:t>
+            </a:r>
+            <a:r>
+              <a:rPr lang="en-US"/>
+              <a:t> a </a:t>
+            </a:r>
+            <a:r>
+              <a:rPr lang="en-US" err="1"/>
+              <a:t>kapcsolatok</a:t>
+            </a:r>
+            <a:r>
+              <a:rPr lang="en-US"/>
+              <a:t> a </a:t>
+            </a:r>
+            <a:r>
+              <a:rPr lang="en-US" err="1"/>
+              <a:t>többi</a:t>
+            </a:r>
+            <a:r>
+              <a:rPr lang="en-US"/>
+              <a:t> </a:t>
+            </a:r>
+            <a:r>
+              <a:rPr lang="en-US" err="1"/>
+              <a:t>táblához</a:t>
+            </a:r>
+            <a:r>
+              <a:rPr lang="en-US"/>
+              <a:t>.</a:t>
+            </a:r>
+          </a:p>
+          <a:p>
+            <a:r>
+              <a:rPr lang="en-US"/>
+              <a:t>A </a:t>
+            </a:r>
+            <a:r>
+              <a:rPr lang="en-US" b="1"/>
+              <a:t>products</a:t>
+            </a:r>
+            <a:r>
+              <a:rPr lang="en-US"/>
+              <a:t> </a:t>
+            </a:r>
+            <a:r>
+              <a:rPr lang="en-US" err="1"/>
+              <a:t>és</a:t>
+            </a:r>
+            <a:r>
+              <a:rPr lang="en-US"/>
+              <a:t> </a:t>
+            </a:r>
+            <a:r>
+              <a:rPr lang="en-US" b="1"/>
+              <a:t>rutin</a:t>
+            </a:r>
+            <a:r>
+              <a:rPr lang="en-US"/>
+              <a:t> </a:t>
+            </a:r>
+            <a:r>
+              <a:rPr lang="en-US" err="1"/>
+              <a:t>táblákban</a:t>
+            </a:r>
+            <a:r>
+              <a:rPr lang="en-US"/>
+              <a:t> a </a:t>
+            </a:r>
+            <a:r>
+              <a:rPr lang="en-US" err="1"/>
+              <a:t>felhasználók</a:t>
+            </a:r>
+            <a:r>
+              <a:rPr lang="en-US"/>
+              <a:t> </a:t>
+            </a:r>
+            <a:r>
+              <a:rPr lang="en-US" err="1"/>
+              <a:t>által</a:t>
+            </a:r>
+            <a:r>
+              <a:rPr lang="en-US"/>
+              <a:t> </a:t>
+            </a:r>
+            <a:r>
+              <a:rPr lang="en-US" err="1"/>
+              <a:t>feltöltött</a:t>
+            </a:r>
+            <a:r>
+              <a:rPr lang="en-US"/>
+              <a:t> </a:t>
+            </a:r>
+            <a:r>
+              <a:rPr lang="en-US" err="1"/>
+              <a:t>szépségápolási</a:t>
+            </a:r>
+            <a:r>
+              <a:rPr lang="en-US"/>
+              <a:t> </a:t>
+            </a:r>
+            <a:r>
+              <a:rPr lang="en-US" err="1"/>
+              <a:t>termékek</a:t>
+            </a:r>
+            <a:r>
+              <a:rPr lang="en-US"/>
+              <a:t> </a:t>
+            </a:r>
+            <a:r>
+              <a:rPr lang="en-US" err="1"/>
+              <a:t>és</a:t>
+            </a:r>
+            <a:r>
+              <a:rPr lang="en-US"/>
+              <a:t> </a:t>
+            </a:r>
+            <a:r>
+              <a:rPr lang="en-US" err="1"/>
+              <a:t>rutinok</a:t>
+            </a:r>
+            <a:r>
+              <a:rPr lang="en-US"/>
+              <a:t> </a:t>
+            </a:r>
+            <a:r>
+              <a:rPr lang="en-US" err="1"/>
+              <a:t>adatai</a:t>
+            </a:r>
+            <a:r>
+              <a:rPr lang="en-US"/>
+              <a:t> </a:t>
+            </a:r>
+            <a:r>
+              <a:rPr lang="en-US" err="1"/>
+              <a:t>szerepelnek</a:t>
+            </a:r>
+            <a:r>
+              <a:rPr lang="en-US"/>
+              <a:t>: </a:t>
+            </a:r>
+            <a:r>
+              <a:rPr lang="en-US" err="1"/>
+              <a:t>cím</a:t>
+            </a:r>
+            <a:r>
+              <a:rPr lang="en-US"/>
+              <a:t>, </a:t>
+            </a:r>
+            <a:r>
+              <a:rPr lang="en-US" err="1"/>
+              <a:t>típus</a:t>
+            </a:r>
+            <a:r>
+              <a:rPr lang="en-US"/>
+              <a:t>, </a:t>
+            </a:r>
+            <a:r>
+              <a:rPr lang="en-US" err="1"/>
+              <a:t>képek</a:t>
+            </a:r>
+            <a:r>
+              <a:rPr lang="en-US"/>
+              <a:t> </a:t>
+            </a:r>
+            <a:r>
+              <a:rPr lang="en-US" err="1"/>
+              <a:t>és</a:t>
+            </a:r>
+            <a:r>
+              <a:rPr lang="en-US"/>
+              <a:t> </a:t>
+            </a:r>
+            <a:r>
+              <a:rPr lang="en-US" err="1"/>
+              <a:t>leírás</a:t>
+            </a:r>
+            <a:r>
+              <a:rPr lang="en-US"/>
+              <a:t>.</a:t>
+            </a:r>
+            <a:endParaRPr lang="en-US">
+              <a:ea typeface="Calibri"/>
+              <a:cs typeface="Calibri"/>
+            </a:endParaRPr>
+          </a:p>
+          <a:p>
+            <a:r>
+              <a:rPr lang="en-US"/>
+              <a:t>A </a:t>
+            </a:r>
+            <a:r>
+              <a:rPr lang="en-US" err="1"/>
+              <a:t>felhasználói</a:t>
+            </a:r>
+            <a:r>
+              <a:rPr lang="en-US"/>
+              <a:t> </a:t>
+            </a:r>
+            <a:r>
+              <a:rPr lang="en-US" err="1"/>
+              <a:t>interakciókat</a:t>
+            </a:r>
+            <a:r>
+              <a:rPr lang="en-US"/>
+              <a:t> a </a:t>
+            </a:r>
+            <a:r>
+              <a:rPr lang="en-US" b="1"/>
+              <a:t>likes</a:t>
+            </a:r>
+            <a:r>
+              <a:rPr lang="en-US"/>
+              <a:t>, </a:t>
+            </a:r>
+            <a:r>
+              <a:rPr lang="en-US" b="1"/>
+              <a:t>comments</a:t>
+            </a:r>
+            <a:r>
+              <a:rPr lang="en-US"/>
+              <a:t> </a:t>
+            </a:r>
+            <a:r>
+              <a:rPr lang="en-US" err="1"/>
+              <a:t>és</a:t>
+            </a:r>
+            <a:r>
+              <a:rPr lang="en-US"/>
+              <a:t> </a:t>
+            </a:r>
+            <a:r>
+              <a:rPr lang="en-US" b="1" err="1"/>
+              <a:t>favourites</a:t>
+            </a:r>
+            <a:r>
+              <a:rPr lang="en-US"/>
+              <a:t> </a:t>
+            </a:r>
+            <a:r>
+              <a:rPr lang="en-US" err="1"/>
+              <a:t>táblák</a:t>
+            </a:r>
+            <a:r>
+              <a:rPr lang="en-US"/>
+              <a:t> </a:t>
+            </a:r>
+            <a:r>
+              <a:rPr lang="en-US" err="1"/>
+              <a:t>kezelik</a:t>
+            </a:r>
+            <a:r>
+              <a:rPr lang="en-US"/>
+              <a:t>, </a:t>
+            </a:r>
+            <a:r>
+              <a:rPr lang="en-US" err="1"/>
+              <a:t>lehetővé</a:t>
+            </a:r>
+            <a:r>
+              <a:rPr lang="en-US"/>
+              <a:t> </a:t>
+            </a:r>
+            <a:r>
+              <a:rPr lang="en-US" err="1"/>
+              <a:t>téve</a:t>
+            </a:r>
+            <a:r>
+              <a:rPr lang="en-US"/>
+              <a:t> a </a:t>
+            </a:r>
+            <a:r>
+              <a:rPr lang="en-US" err="1"/>
+              <a:t>tartalmak</a:t>
+            </a:r>
+            <a:r>
+              <a:rPr lang="en-US"/>
+              <a:t> </a:t>
+            </a:r>
+            <a:r>
+              <a:rPr lang="en-US" err="1"/>
+              <a:t>értékelését</a:t>
+            </a:r>
+            <a:r>
+              <a:rPr lang="en-US"/>
+              <a:t>, </a:t>
+            </a:r>
+            <a:r>
+              <a:rPr lang="en-US" err="1"/>
+              <a:t>hozzászólását</a:t>
+            </a:r>
+            <a:r>
+              <a:rPr lang="en-US"/>
+              <a:t> </a:t>
+            </a:r>
+            <a:r>
+              <a:rPr lang="en-US" err="1"/>
+              <a:t>és</a:t>
+            </a:r>
+            <a:r>
+              <a:rPr lang="en-US"/>
+              <a:t> </a:t>
+            </a:r>
+            <a:r>
+              <a:rPr lang="en-US" err="1"/>
+              <a:t>elmentését</a:t>
+            </a:r>
+            <a:r>
+              <a:rPr lang="en-US"/>
+              <a:t> a </a:t>
+            </a:r>
+            <a:r>
+              <a:rPr lang="en-US" err="1"/>
+              <a:t>felhasználók</a:t>
+            </a:r>
+            <a:r>
+              <a:rPr lang="en-US"/>
+              <a:t> </a:t>
+            </a:r>
+            <a:r>
+              <a:rPr lang="en-US" err="1"/>
+              <a:t>számára</a:t>
+            </a:r>
+            <a:r>
+              <a:rPr lang="en-US"/>
+              <a:t>.</a:t>
+            </a:r>
+            <a:endParaRPr lang="en-US">
+              <a:ea typeface="Calibri"/>
+              <a:cs typeface="Calibri"/>
+            </a:endParaRPr>
+          </a:p>
+          <a:p>
+            <a:r>
+              <a:rPr lang="en-US"/>
+              <a:t>    </a:t>
+            </a:r>
             <a:endParaRPr lang="en-US">
               <a:ea typeface="Calibri"/>
               <a:cs typeface="Calibri"/>
@@ -2860,7 +3784,7 @@
     </p:spTree>
     <p:extLst>
       <p:ext uri="{BB962C8B-B14F-4D97-AF65-F5344CB8AC3E}">
-        <p14:creationId xmlns:p14="http://schemas.microsoft.com/office/powerpoint/2010/main" val="3587209264"/>
+        <p14:creationId xmlns:p14="http://schemas.microsoft.com/office/powerpoint/2010/main" val="1737359176"/>
       </p:ext>
     </p:extLst>
   </p:cSld>
@@ -2871,6 +3795,236 @@
 </file>
 
 <file path=ppt/notesSlides/notesSlide6.xml><?xml version="1.0" encoding="utf-8"?>
+<p:notes xmlns:a="http://schemas.openxmlformats.org/drawingml/2006/main" xmlns:r="http://schemas.openxmlformats.org/officeDocument/2006/relationships" xmlns:p="http://schemas.openxmlformats.org/presentationml/2006/main">
+  <p:cSld>
+    <p:spTree>
+      <p:nvGrpSpPr>
+        <p:cNvPr id="1" name="">
+          <a:extLst>
+            <a:ext uri="{FF2B5EF4-FFF2-40B4-BE49-F238E27FC236}">
+              <a16:creationId xmlns:a16="http://schemas.microsoft.com/office/drawing/2014/main" id="{6029E147-6154-FB99-65C3-CCA5342D43F9}"/>
+            </a:ext>
+          </a:extLst>
+        </p:cNvPr>
+        <p:cNvGrpSpPr/>
+        <p:nvPr/>
+      </p:nvGrpSpPr>
+      <p:grpSpPr>
+        <a:xfrm>
+          <a:off x="0" y="0"/>
+          <a:ext cx="0" cy="0"/>
+          <a:chOff x="0" y="0"/>
+          <a:chExt cx="0" cy="0"/>
+        </a:xfrm>
+      </p:grpSpPr>
+      <p:sp>
+        <p:nvSpPr>
+          <p:cNvPr id="2" name="Slide Image Placeholder 1">
+            <a:extLst>
+              <a:ext uri="{FF2B5EF4-FFF2-40B4-BE49-F238E27FC236}">
+                <a16:creationId xmlns:a16="http://schemas.microsoft.com/office/drawing/2014/main" id="{E9D8D64E-699D-1F23-0366-6E1BE806C2D7}"/>
+              </a:ext>
+            </a:extLst>
+          </p:cNvPr>
+          <p:cNvSpPr>
+            <a:spLocks noGrp="1" noRot="1" noChangeAspect="1"/>
+          </p:cNvSpPr>
+          <p:nvPr>
+            <p:ph type="sldImg"/>
+          </p:nvPr>
+        </p:nvSpPr>
+        <p:spPr/>
+      </p:sp>
+      <p:sp>
+        <p:nvSpPr>
+          <p:cNvPr id="3" name="Notes Placeholder 2">
+            <a:extLst>
+              <a:ext uri="{FF2B5EF4-FFF2-40B4-BE49-F238E27FC236}">
+                <a16:creationId xmlns:a16="http://schemas.microsoft.com/office/drawing/2014/main" id="{1E41ADB5-C0EF-C1E3-1F53-D4F4BCC0C64F}"/>
+              </a:ext>
+            </a:extLst>
+          </p:cNvPr>
+          <p:cNvSpPr>
+            <a:spLocks noGrp="1"/>
+          </p:cNvSpPr>
+          <p:nvPr>
+            <p:ph type="body" idx="1"/>
+          </p:nvPr>
+        </p:nvSpPr>
+        <p:spPr/>
+        <p:txBody>
+          <a:bodyPr/>
+          <a:lstStyle/>
+          <a:p>
+            <a:endParaRPr lang="en-US">
+              <a:ea typeface="Calibri"/>
+              <a:cs typeface="Calibri"/>
+            </a:endParaRPr>
+          </a:p>
+        </p:txBody>
+      </p:sp>
+      <p:sp>
+        <p:nvSpPr>
+          <p:cNvPr id="4" name="Slide Number Placeholder 3">
+            <a:extLst>
+              <a:ext uri="{FF2B5EF4-FFF2-40B4-BE49-F238E27FC236}">
+                <a16:creationId xmlns:a16="http://schemas.microsoft.com/office/drawing/2014/main" id="{46284AFD-75D7-3C9D-4795-3528E603C02A}"/>
+              </a:ext>
+            </a:extLst>
+          </p:cNvPr>
+          <p:cNvSpPr>
+            <a:spLocks noGrp="1"/>
+          </p:cNvSpPr>
+          <p:nvPr>
+            <p:ph type="sldNum" sz="quarter" idx="5"/>
+          </p:nvPr>
+        </p:nvSpPr>
+        <p:spPr/>
+        <p:txBody>
+          <a:bodyPr/>
+          <a:lstStyle/>
+          <a:p>
+            <a:fld id="{04896B4C-04E2-4A53-82D1-718956BD7E97}" type="slidenum">
+              <a:t>7</a:t>
+            </a:fld>
+            <a:endParaRPr lang="en-US"/>
+          </a:p>
+        </p:txBody>
+      </p:sp>
+    </p:spTree>
+    <p:extLst>
+      <p:ext uri="{BB962C8B-B14F-4D97-AF65-F5344CB8AC3E}">
+        <p14:creationId xmlns:p14="http://schemas.microsoft.com/office/powerpoint/2010/main" val="3378811249"/>
+      </p:ext>
+    </p:extLst>
+  </p:cSld>
+  <p:clrMapOvr>
+    <a:masterClrMapping/>
+  </p:clrMapOvr>
+</p:notes>
+</file>
+
+<file path=ppt/notesSlides/notesSlide7.xml><?xml version="1.0" encoding="utf-8"?>
+<p:notes xmlns:a="http://schemas.openxmlformats.org/drawingml/2006/main" xmlns:r="http://schemas.openxmlformats.org/officeDocument/2006/relationships" xmlns:p="http://schemas.openxmlformats.org/presentationml/2006/main">
+  <p:cSld>
+    <p:spTree>
+      <p:nvGrpSpPr>
+        <p:cNvPr id="1" name="">
+          <a:extLst>
+            <a:ext uri="{FF2B5EF4-FFF2-40B4-BE49-F238E27FC236}">
+              <a16:creationId xmlns:a16="http://schemas.microsoft.com/office/drawing/2014/main" id="{16895E77-B7BB-66C1-C498-A52F9D758E8F}"/>
+            </a:ext>
+          </a:extLst>
+        </p:cNvPr>
+        <p:cNvGrpSpPr/>
+        <p:nvPr/>
+      </p:nvGrpSpPr>
+      <p:grpSpPr>
+        <a:xfrm>
+          <a:off x="0" y="0"/>
+          <a:ext cx="0" cy="0"/>
+          <a:chOff x="0" y="0"/>
+          <a:chExt cx="0" cy="0"/>
+        </a:xfrm>
+      </p:grpSpPr>
+      <p:sp>
+        <p:nvSpPr>
+          <p:cNvPr id="2" name="Slide Image Placeholder 1">
+            <a:extLst>
+              <a:ext uri="{FF2B5EF4-FFF2-40B4-BE49-F238E27FC236}">
+                <a16:creationId xmlns:a16="http://schemas.microsoft.com/office/drawing/2014/main" id="{EA02B888-3746-4C77-AAF5-2BB6874D41E7}"/>
+              </a:ext>
+            </a:extLst>
+          </p:cNvPr>
+          <p:cNvSpPr>
+            <a:spLocks noGrp="1" noRot="1" noChangeAspect="1"/>
+          </p:cNvSpPr>
+          <p:nvPr>
+            <p:ph type="sldImg"/>
+          </p:nvPr>
+        </p:nvSpPr>
+        <p:spPr/>
+      </p:sp>
+      <p:sp>
+        <p:nvSpPr>
+          <p:cNvPr id="3" name="Notes Placeholder 2">
+            <a:extLst>
+              <a:ext uri="{FF2B5EF4-FFF2-40B4-BE49-F238E27FC236}">
+                <a16:creationId xmlns:a16="http://schemas.microsoft.com/office/drawing/2014/main" id="{9307C35B-43D7-B4B3-AA8F-225E5204BFC4}"/>
+              </a:ext>
+            </a:extLst>
+          </p:cNvPr>
+          <p:cNvSpPr>
+            <a:spLocks noGrp="1"/>
+          </p:cNvSpPr>
+          <p:nvPr>
+            <p:ph type="body" idx="1"/>
+          </p:nvPr>
+        </p:nvSpPr>
+        <p:spPr/>
+        <p:txBody>
+          <a:bodyPr/>
+          <a:lstStyle/>
+          <a:p>
+            <a:r>
+              <a:rPr lang="en-US"/>
+              <a:t> 🟦During the development, we worked closely together, dividing tasks in advance and regularly updating each other on our progress. Since we've been working and studying together since 9th grade, we understand each other's work habits, which made our collaboration easyer. </a:t>
+            </a:r>
+          </a:p>
+          <a:p>
+            <a:r>
+              <a:rPr lang="en-US"/>
+              <a:t>🟥Our teamwork has always been strong, allowing us to solve any issues quickly and effectively. We used GitHub for version control, keeping everyone updated on the project’s progress.    </a:t>
+            </a:r>
+            <a:endParaRPr lang="en-US">
+              <a:ea typeface="Calibri"/>
+              <a:cs typeface="Calibri"/>
+            </a:endParaRPr>
+          </a:p>
+        </p:txBody>
+      </p:sp>
+      <p:sp>
+        <p:nvSpPr>
+          <p:cNvPr id="4" name="Slide Number Placeholder 3">
+            <a:extLst>
+              <a:ext uri="{FF2B5EF4-FFF2-40B4-BE49-F238E27FC236}">
+                <a16:creationId xmlns:a16="http://schemas.microsoft.com/office/drawing/2014/main" id="{0C097222-3CCF-98B3-DEA8-3A33E2F4E1D7}"/>
+              </a:ext>
+            </a:extLst>
+          </p:cNvPr>
+          <p:cNvSpPr>
+            <a:spLocks noGrp="1"/>
+          </p:cNvSpPr>
+          <p:nvPr>
+            <p:ph type="sldNum" sz="quarter" idx="5"/>
+          </p:nvPr>
+        </p:nvSpPr>
+        <p:spPr/>
+        <p:txBody>
+          <a:bodyPr/>
+          <a:lstStyle/>
+          <a:p>
+            <a:fld id="{04896B4C-04E2-4A53-82D1-718956BD7E97}" type="slidenum">
+              <a:t>8</a:t>
+            </a:fld>
+            <a:endParaRPr lang="en-US"/>
+          </a:p>
+        </p:txBody>
+      </p:sp>
+    </p:spTree>
+    <p:extLst>
+      <p:ext uri="{BB962C8B-B14F-4D97-AF65-F5344CB8AC3E}">
+        <p14:creationId xmlns:p14="http://schemas.microsoft.com/office/powerpoint/2010/main" val="414812413"/>
+      </p:ext>
+    </p:extLst>
+  </p:cSld>
+  <p:clrMapOvr>
+    <a:masterClrMapping/>
+  </p:clrMapOvr>
+</p:notes>
+</file>
+
+<file path=ppt/notesSlides/notesSlide8.xml><?xml version="1.0" encoding="utf-8"?>
 <p:notes xmlns:a="http://schemas.openxmlformats.org/drawingml/2006/main" xmlns:r="http://schemas.openxmlformats.org/officeDocument/2006/relationships" xmlns:p="http://schemas.openxmlformats.org/presentationml/2006/main">
   <p:cSld>
     <p:spTree>
@@ -2916,14 +4070,19 @@
           <a:p>
             <a:r>
               <a:rPr lang="en-US"/>
-              <a:t> 🟦During the development, we worked closely together, dividing tasks in advance and regularly updating each other on our progress. Since we've been working and studying together since 9th grade, we understand each other's work habits, which made our collaboration easyer. </a:t>
-            </a:r>
-          </a:p>
-          <a:p>
-            <a:r>
-              <a:rPr lang="en-US"/>
-              <a:t>🟥Our teamwork has always been strong, allowing us to solve any issues quickly and effectively. We used GitHub for version control, keeping everyone updated on the project’s progress.    </a:t>
-            </a:r>
+              <a:t>🟥Future developments include expanding the admin panel to manage users, products, favorites, and comments. We also plan to add an AJAX-based like system that will work without reloading the page, providing real-time feedback and a better user experience. </a:t>
+            </a:r>
+          </a:p>
+          <a:p>
+            <a:endParaRPr lang="en-US"/>
+          </a:p>
+          <a:p>
+            <a:r>
+              <a:rPr lang="en-US"/>
+              <a:t>🟦A new database table will be created for allergen management, with expert involvement, allowing products to be filtered by allergens. Additionally, product categories will be expanded to include makeup, cleaning products, and perfumes, offering new filtering and management options.</a:t>
+            </a:r>
+          </a:p>
+          <a:p>
             <a:endParaRPr lang="en-US">
               <a:ea typeface="Calibri"/>
               <a:cs typeface="Calibri"/>
@@ -2947,7 +4106,7 @@
           <a:lstStyle/>
           <a:p>
             <a:fld id="{04896B4C-04E2-4A53-82D1-718956BD7E97}" type="slidenum">
-              <a:t>7</a:t>
+              <a:t>9</a:t>
             </a:fld>
             <a:endParaRPr lang="en-US"/>
           </a:p>
@@ -2956,7 +4115,7 @@
     </p:spTree>
     <p:extLst>
       <p:ext uri="{BB962C8B-B14F-4D97-AF65-F5344CB8AC3E}">
-        <p14:creationId xmlns:p14="http://schemas.microsoft.com/office/powerpoint/2010/main" val="1737359176"/>
+        <p14:creationId xmlns:p14="http://schemas.microsoft.com/office/powerpoint/2010/main" val="3587209264"/>
       </p:ext>
     </p:extLst>
   </p:cSld>
@@ -3095,7 +4254,7 @@
           <a:p>
             <a:fld id="{F5F1901C-D33B-4565-A7E4-5DF903098DB6}" type="datetimeFigureOut">
               <a:rPr lang="hu-HU" smtClean="0"/>
-              <a:t>2025. 04. 27.</a:t>
+              <a:t>2025. 05. 06.</a:t>
             </a:fld>
             <a:endParaRPr lang="hu-HU"/>
           </a:p>
@@ -3263,7 +4422,7 @@
           <a:p>
             <a:fld id="{F5F1901C-D33B-4565-A7E4-5DF903098DB6}" type="datetimeFigureOut">
               <a:rPr lang="hu-HU" smtClean="0"/>
-              <a:t>2025. 04. 27.</a:t>
+              <a:t>2025. 05. 06.</a:t>
             </a:fld>
             <a:endParaRPr lang="hu-HU"/>
           </a:p>
@@ -3441,7 +4600,7 @@
           <a:p>
             <a:fld id="{F5F1901C-D33B-4565-A7E4-5DF903098DB6}" type="datetimeFigureOut">
               <a:rPr lang="hu-HU" smtClean="0"/>
-              <a:t>2025. 04. 27.</a:t>
+              <a:t>2025. 05. 06.</a:t>
             </a:fld>
             <a:endParaRPr lang="hu-HU"/>
           </a:p>
@@ -3609,7 +4768,7 @@
           <a:p>
             <a:fld id="{F5F1901C-D33B-4565-A7E4-5DF903098DB6}" type="datetimeFigureOut">
               <a:rPr lang="hu-HU" smtClean="0"/>
-              <a:t>2025. 04. 27.</a:t>
+              <a:t>2025. 05. 06.</a:t>
             </a:fld>
             <a:endParaRPr lang="hu-HU"/>
           </a:p>
@@ -3854,7 +5013,7 @@
           <a:p>
             <a:fld id="{F5F1901C-D33B-4565-A7E4-5DF903098DB6}" type="datetimeFigureOut">
               <a:rPr lang="hu-HU" smtClean="0"/>
-              <a:t>2025. 04. 27.</a:t>
+              <a:t>2025. 05. 06.</a:t>
             </a:fld>
             <a:endParaRPr lang="hu-HU"/>
           </a:p>
@@ -4083,7 +5242,7 @@
           <a:p>
             <a:fld id="{F5F1901C-D33B-4565-A7E4-5DF903098DB6}" type="datetimeFigureOut">
               <a:rPr lang="hu-HU" smtClean="0"/>
-              <a:t>2025. 04. 27.</a:t>
+              <a:t>2025. 05. 06.</a:t>
             </a:fld>
             <a:endParaRPr lang="hu-HU"/>
           </a:p>
@@ -4447,7 +5606,7 @@
           <a:p>
             <a:fld id="{F5F1901C-D33B-4565-A7E4-5DF903098DB6}" type="datetimeFigureOut">
               <a:rPr lang="hu-HU" smtClean="0"/>
-              <a:t>2025. 04. 27.</a:t>
+              <a:t>2025. 05. 06.</a:t>
             </a:fld>
             <a:endParaRPr lang="hu-HU"/>
           </a:p>
@@ -4564,7 +5723,7 @@
           <a:p>
             <a:fld id="{F5F1901C-D33B-4565-A7E4-5DF903098DB6}" type="datetimeFigureOut">
               <a:rPr lang="hu-HU" smtClean="0"/>
-              <a:t>2025. 04. 27.</a:t>
+              <a:t>2025. 05. 06.</a:t>
             </a:fld>
             <a:endParaRPr lang="hu-HU"/>
           </a:p>
@@ -4659,7 +5818,7 @@
           <a:p>
             <a:fld id="{F5F1901C-D33B-4565-A7E4-5DF903098DB6}" type="datetimeFigureOut">
               <a:rPr lang="hu-HU" smtClean="0"/>
-              <a:t>2025. 04. 27.</a:t>
+              <a:t>2025. 05. 06.</a:t>
             </a:fld>
             <a:endParaRPr lang="hu-HU"/>
           </a:p>
@@ -4934,7 +6093,7 @@
           <a:p>
             <a:fld id="{F5F1901C-D33B-4565-A7E4-5DF903098DB6}" type="datetimeFigureOut">
               <a:rPr lang="hu-HU" smtClean="0"/>
-              <a:t>2025. 04. 27.</a:t>
+              <a:t>2025. 05. 06.</a:t>
             </a:fld>
             <a:endParaRPr lang="hu-HU"/>
           </a:p>
@@ -5186,7 +6345,7 @@
           <a:p>
             <a:fld id="{F5F1901C-D33B-4565-A7E4-5DF903098DB6}" type="datetimeFigureOut">
               <a:rPr lang="hu-HU" smtClean="0"/>
-              <a:t>2025. 04. 27.</a:t>
+              <a:t>2025. 05. 06.</a:t>
             </a:fld>
             <a:endParaRPr lang="hu-HU"/>
           </a:p>
@@ -5397,7 +6556,7 @@
           <a:p>
             <a:fld id="{F5F1901C-D33B-4565-A7E4-5DF903098DB6}" type="datetimeFigureOut">
               <a:rPr lang="hu-HU" smtClean="0"/>
-              <a:t>2025. 04. 27.</a:t>
+              <a:t>2025. 05. 06.</a:t>
             </a:fld>
             <a:endParaRPr lang="hu-HU"/>
           </a:p>
@@ -6044,6 +7203,230 @@
 </p:sld>
 </file>
 
+<file path=ppt/slides/slide10.xml><?xml version="1.0" encoding="utf-8"?>
+<p:sld xmlns:a="http://schemas.openxmlformats.org/drawingml/2006/main" xmlns:r="http://schemas.openxmlformats.org/officeDocument/2006/relationships" xmlns:p="http://schemas.openxmlformats.org/presentationml/2006/main">
+  <p:cSld>
+    <p:bg>
+      <p:bgPr>
+        <a:blipFill>
+          <a:blip r:embed="rId2"/>
+          <a:stretch>
+            <a:fillRect t="-7000" b="-7000"/>
+          </a:stretch>
+        </a:blipFill>
+        <a:effectLst/>
+      </p:bgPr>
+    </p:bg>
+    <p:spTree>
+      <p:nvGrpSpPr>
+        <p:cNvPr id="1" name="">
+          <a:extLst>
+            <a:ext uri="{FF2B5EF4-FFF2-40B4-BE49-F238E27FC236}">
+              <a16:creationId xmlns:a16="http://schemas.microsoft.com/office/drawing/2014/main" id="{92D7DFC8-A003-B41A-6F29-EA04A28C0A43}"/>
+            </a:ext>
+          </a:extLst>
+        </p:cNvPr>
+        <p:cNvGrpSpPr/>
+        <p:nvPr/>
+      </p:nvGrpSpPr>
+      <p:grpSpPr>
+        <a:xfrm>
+          <a:off x="0" y="0"/>
+          <a:ext cx="0" cy="0"/>
+          <a:chOff x="0" y="0"/>
+          <a:chExt cx="0" cy="0"/>
+        </a:xfrm>
+      </p:grpSpPr>
+      <p:sp>
+        <p:nvSpPr>
+          <p:cNvPr id="5" name="Téglalap 4">
+            <a:extLst>
+              <a:ext uri="{FF2B5EF4-FFF2-40B4-BE49-F238E27FC236}">
+                <a16:creationId xmlns:a16="http://schemas.microsoft.com/office/drawing/2014/main" id="{834E831B-E4A6-9BF6-572D-B3F1EFEBA8E8}"/>
+              </a:ext>
+            </a:extLst>
+          </p:cNvPr>
+          <p:cNvSpPr>
+            <a:spLocks/>
+          </p:cNvSpPr>
+          <p:nvPr/>
+        </p:nvSpPr>
+        <p:spPr>
+          <a:xfrm>
+            <a:off x="736" y="-42145"/>
+            <a:ext cx="12273642" cy="6898821"/>
+          </a:xfrm>
+          <a:prstGeom prst="rect">
+            <a:avLst/>
+          </a:prstGeom>
+          <a:solidFill>
+            <a:srgbClr val="100814">
+              <a:alpha val="72000"/>
+            </a:srgbClr>
+          </a:solidFill>
+          <a:ln>
+            <a:noFill/>
+          </a:ln>
+          <a:effectLst>
+            <a:outerShdw blurRad="63500" dist="38100" dir="2700000">
+              <a:srgbClr val="0C0C0C">
+                <a:alpha val="0"/>
+              </a:srgbClr>
+            </a:outerShdw>
+          </a:effectLst>
+        </p:spPr>
+        <p:style>
+          <a:lnRef idx="2">
+            <a:schemeClr val="accent1">
+              <a:shade val="15000"/>
+            </a:schemeClr>
+          </a:lnRef>
+          <a:fillRef idx="1">
+            <a:schemeClr val="accent1"/>
+          </a:fillRef>
+          <a:effectRef idx="0">
+            <a:schemeClr val="accent1"/>
+          </a:effectRef>
+          <a:fontRef idx="minor">
+            <a:schemeClr val="lt1"/>
+          </a:fontRef>
+        </p:style>
+        <p:txBody>
+          <a:bodyPr lIns="91440" tIns="45720" rIns="91440" bIns="45720" rtlCol="0" anchor="ctr"/>
+          <a:lstStyle/>
+          <a:p>
+            <a:pPr>
+              <a:spcBef>
+                <a:spcPts val="1500"/>
+              </a:spcBef>
+            </a:pPr>
+            <a:endParaRPr lang="en-US" sz="2400">
+              <a:solidFill>
+                <a:schemeClr val="bg1"/>
+              </a:solidFill>
+              <a:latin typeface="Aptos"/>
+            </a:endParaRPr>
+          </a:p>
+          <a:p>
+            <a:pPr algn="ctr"/>
+            <a:endParaRPr lang="hu-HU">
+              <a:solidFill>
+                <a:schemeClr val="bg1"/>
+              </a:solidFill>
+            </a:endParaRPr>
+          </a:p>
+        </p:txBody>
+      </p:sp>
+      <p:sp>
+        <p:nvSpPr>
+          <p:cNvPr id="4" name="Szövegdoboz 3">
+            <a:extLst>
+              <a:ext uri="{FF2B5EF4-FFF2-40B4-BE49-F238E27FC236}">
+                <a16:creationId xmlns:a16="http://schemas.microsoft.com/office/drawing/2014/main" id="{D012F308-2193-EEDA-CF68-AFC31971E348}"/>
+              </a:ext>
+            </a:extLst>
+          </p:cNvPr>
+          <p:cNvSpPr txBox="1"/>
+          <p:nvPr/>
+        </p:nvSpPr>
+        <p:spPr>
+          <a:xfrm>
+            <a:off x="1212931" y="1216151"/>
+            <a:ext cx="10545455" cy="1015663"/>
+          </a:xfrm>
+          <a:prstGeom prst="rect">
+            <a:avLst/>
+          </a:prstGeom>
+          <a:noFill/>
+        </p:spPr>
+        <p:txBody>
+          <a:bodyPr rot="0" spcFirstLastPara="0" vertOverflow="overflow" horzOverflow="overflow" vert="horz" wrap="square" lIns="91440" tIns="45720" rIns="91440" bIns="45720" numCol="1" spcCol="0" rtlCol="0" fromWordArt="0" anchor="t" anchorCtr="0" forceAA="0" compatLnSpc="1">
+            <a:prstTxWarp prst="textNoShape">
+              <a:avLst/>
+            </a:prstTxWarp>
+            <a:spAutoFit/>
+          </a:bodyPr>
+          <a:lstStyle/>
+          <a:p>
+            <a:r>
+              <a:rPr lang="en-US" sz="6000" b="1">
+                <a:solidFill>
+                  <a:schemeClr val="bg1"/>
+                </a:solidFill>
+                <a:latin typeface="Century Schoolbook"/>
+              </a:rPr>
+              <a:t>Köszönjük a figyelmet!</a:t>
+            </a:r>
+          </a:p>
+        </p:txBody>
+      </p:sp>
+      <p:pic>
+        <p:nvPicPr>
+          <p:cNvPr id="9" name="Kép 8" descr="A képen virág, szöveg, kör, szív látható&#10;&#10;Lehet, hogy az AI által létrehozott tartalom helytelen.">
+            <a:extLst>
+              <a:ext uri="{FF2B5EF4-FFF2-40B4-BE49-F238E27FC236}">
+                <a16:creationId xmlns:a16="http://schemas.microsoft.com/office/drawing/2014/main" id="{29B22989-6C40-158E-8362-61B0BD4E77FE}"/>
+              </a:ext>
+            </a:extLst>
+          </p:cNvPr>
+          <p:cNvPicPr>
+            <a:picLocks noChangeAspect="1"/>
+          </p:cNvPicPr>
+          <p:nvPr/>
+        </p:nvPicPr>
+        <p:blipFill>
+          <a:blip r:embed="rId3"/>
+          <a:stretch>
+            <a:fillRect/>
+          </a:stretch>
+        </p:blipFill>
+        <p:spPr>
+          <a:xfrm>
+            <a:off x="4475957" y="3115572"/>
+            <a:ext cx="3176995" cy="3091546"/>
+          </a:xfrm>
+          <a:prstGeom prst="ellipse">
+            <a:avLst/>
+          </a:prstGeom>
+          <a:ln w="63500" cap="rnd">
+            <a:solidFill>
+              <a:srgbClr val="333333"/>
+            </a:solidFill>
+          </a:ln>
+          <a:effectLst>
+            <a:outerShdw blurRad="381000" dist="292100" dir="5400000" sx="-80000" sy="-18000" rotWithShape="0">
+              <a:srgbClr val="000000">
+                <a:alpha val="22000"/>
+              </a:srgbClr>
+            </a:outerShdw>
+          </a:effectLst>
+          <a:scene3d>
+            <a:camera prst="orthographicFront"/>
+            <a:lightRig rig="contrasting" dir="t">
+              <a:rot lat="0" lon="0" rev="3000000"/>
+            </a:lightRig>
+          </a:scene3d>
+          <a:sp3d contourW="7620">
+            <a:bevelT w="95250" h="31750"/>
+            <a:contourClr>
+              <a:srgbClr val="333333"/>
+            </a:contourClr>
+          </a:sp3d>
+        </p:spPr>
+      </p:pic>
+    </p:spTree>
+    <p:extLst>
+      <p:ext uri="{BB962C8B-B14F-4D97-AF65-F5344CB8AC3E}">
+        <p14:creationId xmlns:p14="http://schemas.microsoft.com/office/powerpoint/2010/main" val="2270624464"/>
+      </p:ext>
+    </p:extLst>
+  </p:cSld>
+  <p:clrMapOvr>
+    <a:masterClrMapping/>
+  </p:clrMapOvr>
+</p:sld>
+</file>
+
 <file path=ppt/slides/slide2.xml><?xml version="1.0" encoding="utf-8"?>
 <p:sld xmlns:a="http://schemas.openxmlformats.org/drawingml/2006/main" xmlns:r="http://schemas.openxmlformats.org/officeDocument/2006/relationships" xmlns:p="http://schemas.openxmlformats.org/presentationml/2006/main">
   <p:cSld>
@@ -8087,6 +9470,1116 @@
         <p:cNvPr id="1" name="">
           <a:extLst>
             <a:ext uri="{FF2B5EF4-FFF2-40B4-BE49-F238E27FC236}">
+              <a16:creationId xmlns:a16="http://schemas.microsoft.com/office/drawing/2014/main" id="{0545F924-E3EE-5F23-5DCC-6AC4B14B7F4E}"/>
+            </a:ext>
+          </a:extLst>
+        </p:cNvPr>
+        <p:cNvGrpSpPr/>
+        <p:nvPr/>
+      </p:nvGrpSpPr>
+      <p:grpSpPr>
+        <a:xfrm>
+          <a:off x="0" y="0"/>
+          <a:ext cx="0" cy="0"/>
+          <a:chOff x="0" y="0"/>
+          <a:chExt cx="0" cy="0"/>
+        </a:xfrm>
+      </p:grpSpPr>
+      <p:sp>
+        <p:nvSpPr>
+          <p:cNvPr id="5" name="Téglalap 4">
+            <a:extLst>
+              <a:ext uri="{FF2B5EF4-FFF2-40B4-BE49-F238E27FC236}">
+                <a16:creationId xmlns:a16="http://schemas.microsoft.com/office/drawing/2014/main" id="{476FBF62-3ABC-DBA3-1F70-A9461D830BBE}"/>
+              </a:ext>
+            </a:extLst>
+          </p:cNvPr>
+          <p:cNvSpPr>
+            <a:spLocks/>
+          </p:cNvSpPr>
+          <p:nvPr/>
+        </p:nvSpPr>
+        <p:spPr>
+          <a:xfrm>
+            <a:off x="-81643" y="-42145"/>
+            <a:ext cx="12273642" cy="6898821"/>
+          </a:xfrm>
+          <a:prstGeom prst="rect">
+            <a:avLst/>
+          </a:prstGeom>
+          <a:solidFill>
+            <a:srgbClr val="100814">
+              <a:alpha val="72000"/>
+            </a:srgbClr>
+          </a:solidFill>
+          <a:ln>
+            <a:noFill/>
+          </a:ln>
+          <a:effectLst>
+            <a:outerShdw blurRad="63500" dist="38100" dir="2700000">
+              <a:srgbClr val="0C0C0C">
+                <a:alpha val="0"/>
+              </a:srgbClr>
+            </a:outerShdw>
+          </a:effectLst>
+        </p:spPr>
+        <p:style>
+          <a:lnRef idx="2">
+            <a:schemeClr val="accent1">
+              <a:shade val="15000"/>
+            </a:schemeClr>
+          </a:lnRef>
+          <a:fillRef idx="1">
+            <a:schemeClr val="accent1"/>
+          </a:fillRef>
+          <a:effectRef idx="0">
+            <a:schemeClr val="accent1"/>
+          </a:effectRef>
+          <a:fontRef idx="minor">
+            <a:schemeClr val="lt1"/>
+          </a:fontRef>
+        </p:style>
+        <p:txBody>
+          <a:bodyPr lIns="91440" tIns="45720" rIns="91440" bIns="45720" rtlCol="0" anchor="ctr"/>
+          <a:lstStyle/>
+          <a:p>
+            <a:pPr>
+              <a:spcBef>
+                <a:spcPts val="1500"/>
+              </a:spcBef>
+            </a:pPr>
+            <a:endParaRPr lang="en-US" sz="2400">
+              <a:solidFill>
+                <a:schemeClr val="bg1"/>
+              </a:solidFill>
+              <a:latin typeface="Aptos"/>
+            </a:endParaRPr>
+          </a:p>
+          <a:p>
+            <a:pPr algn="ctr"/>
+            <a:endParaRPr lang="hu-HU">
+              <a:solidFill>
+                <a:schemeClr val="bg1"/>
+              </a:solidFill>
+            </a:endParaRPr>
+          </a:p>
+        </p:txBody>
+      </p:sp>
+      <p:sp>
+        <p:nvSpPr>
+          <p:cNvPr id="2" name="Téglalap: lekerekített 1">
+            <a:extLst>
+              <a:ext uri="{FF2B5EF4-FFF2-40B4-BE49-F238E27FC236}">
+                <a16:creationId xmlns:a16="http://schemas.microsoft.com/office/drawing/2014/main" id="{7A928657-0325-67EA-ED1E-CC11026416D8}"/>
+              </a:ext>
+            </a:extLst>
+          </p:cNvPr>
+          <p:cNvSpPr/>
+          <p:nvPr/>
+        </p:nvSpPr>
+        <p:spPr>
+          <a:xfrm>
+            <a:off x="-352185" y="-34037"/>
+            <a:ext cx="12848184" cy="1444185"/>
+          </a:xfrm>
+          <a:prstGeom prst="roundRect">
+            <a:avLst/>
+          </a:prstGeom>
+          <a:solidFill>
+            <a:srgbClr val="501649">
+              <a:alpha val="92000"/>
+            </a:srgbClr>
+          </a:solidFill>
+          <a:ln>
+            <a:noFill/>
+          </a:ln>
+        </p:spPr>
+        <p:style>
+          <a:lnRef idx="2">
+            <a:schemeClr val="accent1">
+              <a:shade val="15000"/>
+            </a:schemeClr>
+          </a:lnRef>
+          <a:fillRef idx="1">
+            <a:schemeClr val="accent1"/>
+          </a:fillRef>
+          <a:effectRef idx="0">
+            <a:schemeClr val="accent1"/>
+          </a:effectRef>
+          <a:fontRef idx="minor">
+            <a:schemeClr val="lt1"/>
+          </a:fontRef>
+        </p:style>
+        <p:txBody>
+          <a:bodyPr rtlCol="0" anchor="ctr"/>
+          <a:lstStyle/>
+          <a:p>
+            <a:pPr algn="ctr"/>
+            <a:endParaRPr lang="hu-HU"/>
+          </a:p>
+        </p:txBody>
+      </p:sp>
+      <p:sp>
+        <p:nvSpPr>
+          <p:cNvPr id="4" name="Szövegdoboz 3">
+            <a:extLst>
+              <a:ext uri="{FF2B5EF4-FFF2-40B4-BE49-F238E27FC236}">
+                <a16:creationId xmlns:a16="http://schemas.microsoft.com/office/drawing/2014/main" id="{8F6B606C-4B8C-4F6A-C66B-9B3B8C7E3111}"/>
+              </a:ext>
+            </a:extLst>
+          </p:cNvPr>
+          <p:cNvSpPr txBox="1"/>
+          <p:nvPr/>
+        </p:nvSpPr>
+        <p:spPr>
+          <a:xfrm>
+            <a:off x="134630" y="209735"/>
+            <a:ext cx="10545455" cy="1015663"/>
+          </a:xfrm>
+          <a:prstGeom prst="rect">
+            <a:avLst/>
+          </a:prstGeom>
+          <a:noFill/>
+        </p:spPr>
+        <p:txBody>
+          <a:bodyPr rot="0" spcFirstLastPara="0" vertOverflow="overflow" horzOverflow="overflow" vert="horz" wrap="square" lIns="91440" tIns="45720" rIns="91440" bIns="45720" numCol="1" spcCol="0" rtlCol="0" fromWordArt="0" anchor="t" anchorCtr="0" forceAA="0" compatLnSpc="1">
+            <a:prstTxWarp prst="textNoShape">
+              <a:avLst/>
+            </a:prstTxWarp>
+            <a:spAutoFit/>
+          </a:bodyPr>
+          <a:lstStyle/>
+          <a:p>
+            <a:r>
+              <a:rPr lang="en-US" sz="6000" b="1" err="1">
+                <a:solidFill>
+                  <a:schemeClr val="bg1"/>
+                </a:solidFill>
+                <a:latin typeface="Century Schoolbook"/>
+              </a:rPr>
+              <a:t>Adatbázis</a:t>
+            </a:r>
+          </a:p>
+        </p:txBody>
+      </p:sp>
+      <p:pic>
+        <p:nvPicPr>
+          <p:cNvPr id="9" name="Kép 8" descr="A képen virág, szöveg, kör, szív látható&#10;&#10;Lehet, hogy az AI által létrehozott tartalom helytelen.">
+            <a:extLst>
+              <a:ext uri="{FF2B5EF4-FFF2-40B4-BE49-F238E27FC236}">
+                <a16:creationId xmlns:a16="http://schemas.microsoft.com/office/drawing/2014/main" id="{C0BA863E-EAC0-2B47-DFC0-442C2A0844D0}"/>
+              </a:ext>
+            </a:extLst>
+          </p:cNvPr>
+          <p:cNvPicPr>
+            <a:picLocks noChangeAspect="1"/>
+          </p:cNvPicPr>
+          <p:nvPr/>
+        </p:nvPicPr>
+        <p:blipFill>
+          <a:blip r:embed="rId4"/>
+          <a:stretch>
+            <a:fillRect/>
+          </a:stretch>
+        </p:blipFill>
+        <p:spPr>
+          <a:xfrm>
+            <a:off x="9968108" y="-2345"/>
+            <a:ext cx="1422957" cy="1409395"/>
+          </a:xfrm>
+          <a:prstGeom prst="ellipse">
+            <a:avLst/>
+          </a:prstGeom>
+          <a:ln w="63500" cap="rnd">
+            <a:solidFill>
+              <a:srgbClr val="333333"/>
+            </a:solidFill>
+          </a:ln>
+          <a:effectLst>
+            <a:outerShdw blurRad="381000" dist="292100" dir="5400000" sx="-80000" sy="-18000" rotWithShape="0">
+              <a:srgbClr val="000000">
+                <a:alpha val="22000"/>
+              </a:srgbClr>
+            </a:outerShdw>
+          </a:effectLst>
+          <a:scene3d>
+            <a:camera prst="orthographicFront"/>
+            <a:lightRig rig="contrasting" dir="t">
+              <a:rot lat="0" lon="0" rev="3000000"/>
+            </a:lightRig>
+          </a:scene3d>
+          <a:sp3d contourW="7620">
+            <a:bevelT w="95250" h="31750"/>
+            <a:contourClr>
+              <a:srgbClr val="333333"/>
+            </a:contourClr>
+          </a:sp3d>
+        </p:spPr>
+      </p:pic>
+      <p:pic>
+        <p:nvPicPr>
+          <p:cNvPr id="3" name="Kép 2" descr="A képen szöveg, képernyőkép, Betűtípus, szám látható&#10;&#10;Lehet, hogy az AI által létrehozott tartalom helytelen.">
+            <a:extLst>
+              <a:ext uri="{FF2B5EF4-FFF2-40B4-BE49-F238E27FC236}">
+                <a16:creationId xmlns:a16="http://schemas.microsoft.com/office/drawing/2014/main" id="{44CF7BC0-8056-8F68-6EDD-8BF2341C57A5}"/>
+              </a:ext>
+            </a:extLst>
+          </p:cNvPr>
+          <p:cNvPicPr>
+            <a:picLocks noChangeAspect="1"/>
+          </p:cNvPicPr>
+          <p:nvPr/>
+        </p:nvPicPr>
+        <p:blipFill>
+          <a:blip r:embed="rId5"/>
+          <a:stretch>
+            <a:fillRect/>
+          </a:stretch>
+        </p:blipFill>
+        <p:spPr>
+          <a:xfrm>
+            <a:off x="1342291" y="1409179"/>
+            <a:ext cx="9517858" cy="5615835"/>
+          </a:xfrm>
+          <a:prstGeom prst="rect">
+            <a:avLst/>
+          </a:prstGeom>
+        </p:spPr>
+      </p:pic>
+    </p:spTree>
+    <p:extLst>
+      <p:ext uri="{BB962C8B-B14F-4D97-AF65-F5344CB8AC3E}">
+        <p14:creationId xmlns:p14="http://schemas.microsoft.com/office/powerpoint/2010/main" val="3549872823"/>
+      </p:ext>
+    </p:extLst>
+  </p:cSld>
+  <p:clrMapOvr>
+    <a:masterClrMapping/>
+  </p:clrMapOvr>
+</p:sld>
+</file>
+
+<file path=ppt/slides/slide7.xml><?xml version="1.0" encoding="utf-8"?>
+<p:sld xmlns:a="http://schemas.openxmlformats.org/drawingml/2006/main" xmlns:r="http://schemas.openxmlformats.org/officeDocument/2006/relationships" xmlns:p="http://schemas.openxmlformats.org/presentationml/2006/main">
+  <p:cSld>
+    <p:bg>
+      <p:bgPr>
+        <a:blipFill>
+          <a:blip r:embed="rId3"/>
+          <a:stretch>
+            <a:fillRect t="-7000" b="-7000"/>
+          </a:stretch>
+        </a:blipFill>
+        <a:effectLst/>
+      </p:bgPr>
+    </p:bg>
+    <p:spTree>
+      <p:nvGrpSpPr>
+        <p:cNvPr id="1" name="">
+          <a:extLst>
+            <a:ext uri="{FF2B5EF4-FFF2-40B4-BE49-F238E27FC236}">
+              <a16:creationId xmlns:a16="http://schemas.microsoft.com/office/drawing/2014/main" id="{9F9B4045-D286-03DB-80B4-5F9A11BBFE0F}"/>
+            </a:ext>
+          </a:extLst>
+        </p:cNvPr>
+        <p:cNvGrpSpPr/>
+        <p:nvPr/>
+      </p:nvGrpSpPr>
+      <p:grpSpPr>
+        <a:xfrm>
+          <a:off x="0" y="0"/>
+          <a:ext cx="0" cy="0"/>
+          <a:chOff x="0" y="0"/>
+          <a:chExt cx="0" cy="0"/>
+        </a:xfrm>
+      </p:grpSpPr>
+      <p:sp>
+        <p:nvSpPr>
+          <p:cNvPr id="5" name="Téglalap 4">
+            <a:extLst>
+              <a:ext uri="{FF2B5EF4-FFF2-40B4-BE49-F238E27FC236}">
+                <a16:creationId xmlns:a16="http://schemas.microsoft.com/office/drawing/2014/main" id="{6C9ED9A5-C9BE-E127-2168-9D5230B463DB}"/>
+              </a:ext>
+            </a:extLst>
+          </p:cNvPr>
+          <p:cNvSpPr>
+            <a:spLocks/>
+          </p:cNvSpPr>
+          <p:nvPr/>
+        </p:nvSpPr>
+        <p:spPr>
+          <a:xfrm>
+            <a:off x="-60766" y="-392"/>
+            <a:ext cx="12273642" cy="6898821"/>
+          </a:xfrm>
+          <a:prstGeom prst="rect">
+            <a:avLst/>
+          </a:prstGeom>
+          <a:solidFill>
+            <a:srgbClr val="100814">
+              <a:alpha val="72000"/>
+            </a:srgbClr>
+          </a:solidFill>
+          <a:ln>
+            <a:noFill/>
+          </a:ln>
+          <a:effectLst>
+            <a:outerShdw blurRad="63500" dist="38100" dir="2700000">
+              <a:srgbClr val="0C0C0C">
+                <a:alpha val="0"/>
+              </a:srgbClr>
+            </a:outerShdw>
+          </a:effectLst>
+        </p:spPr>
+        <p:style>
+          <a:lnRef idx="2">
+            <a:schemeClr val="accent1">
+              <a:shade val="15000"/>
+            </a:schemeClr>
+          </a:lnRef>
+          <a:fillRef idx="1">
+            <a:schemeClr val="accent1"/>
+          </a:fillRef>
+          <a:effectRef idx="0">
+            <a:schemeClr val="accent1"/>
+          </a:effectRef>
+          <a:fontRef idx="minor">
+            <a:schemeClr val="lt1"/>
+          </a:fontRef>
+        </p:style>
+        <p:txBody>
+          <a:bodyPr lIns="91440" tIns="45720" rIns="91440" bIns="45720" rtlCol="0" anchor="ctr"/>
+          <a:lstStyle/>
+          <a:p>
+            <a:pPr>
+              <a:spcBef>
+                <a:spcPts val="1500"/>
+              </a:spcBef>
+            </a:pPr>
+            <a:endParaRPr lang="en-US" sz="3600">
+              <a:solidFill>
+                <a:schemeClr val="bg1"/>
+              </a:solidFill>
+            </a:endParaRPr>
+          </a:p>
+        </p:txBody>
+      </p:sp>
+      <p:sp>
+        <p:nvSpPr>
+          <p:cNvPr id="2" name="Téglalap: lekerekített 1">
+            <a:extLst>
+              <a:ext uri="{FF2B5EF4-FFF2-40B4-BE49-F238E27FC236}">
+                <a16:creationId xmlns:a16="http://schemas.microsoft.com/office/drawing/2014/main" id="{8B3AB282-F0D6-9B94-E7C1-8A8A90213D92}"/>
+              </a:ext>
+            </a:extLst>
+          </p:cNvPr>
+          <p:cNvSpPr/>
+          <p:nvPr/>
+        </p:nvSpPr>
+        <p:spPr>
+          <a:xfrm>
+            <a:off x="-352185" y="-34037"/>
+            <a:ext cx="12848184" cy="1444185"/>
+          </a:xfrm>
+          <a:prstGeom prst="roundRect">
+            <a:avLst/>
+          </a:prstGeom>
+          <a:solidFill>
+            <a:srgbClr val="501649">
+              <a:alpha val="92000"/>
+            </a:srgbClr>
+          </a:solidFill>
+          <a:ln>
+            <a:noFill/>
+          </a:ln>
+        </p:spPr>
+        <p:style>
+          <a:lnRef idx="2">
+            <a:schemeClr val="accent1">
+              <a:shade val="15000"/>
+            </a:schemeClr>
+          </a:lnRef>
+          <a:fillRef idx="1">
+            <a:schemeClr val="accent1"/>
+          </a:fillRef>
+          <a:effectRef idx="0">
+            <a:schemeClr val="accent1"/>
+          </a:effectRef>
+          <a:fontRef idx="minor">
+            <a:schemeClr val="lt1"/>
+          </a:fontRef>
+        </p:style>
+        <p:txBody>
+          <a:bodyPr rtlCol="0" anchor="ctr"/>
+          <a:lstStyle/>
+          <a:p>
+            <a:pPr algn="ctr"/>
+            <a:endParaRPr lang="hu-HU"/>
+          </a:p>
+        </p:txBody>
+      </p:sp>
+      <p:sp>
+        <p:nvSpPr>
+          <p:cNvPr id="4" name="Szövegdoboz 3">
+            <a:extLst>
+              <a:ext uri="{FF2B5EF4-FFF2-40B4-BE49-F238E27FC236}">
+                <a16:creationId xmlns:a16="http://schemas.microsoft.com/office/drawing/2014/main" id="{D39684D4-CB2E-1D68-B349-FA35D2C777E7}"/>
+              </a:ext>
+            </a:extLst>
+          </p:cNvPr>
+          <p:cNvSpPr txBox="1"/>
+          <p:nvPr/>
+        </p:nvSpPr>
+        <p:spPr>
+          <a:xfrm>
+            <a:off x="134630" y="209735"/>
+            <a:ext cx="10545455" cy="1015663"/>
+          </a:xfrm>
+          <a:prstGeom prst="rect">
+            <a:avLst/>
+          </a:prstGeom>
+          <a:noFill/>
+        </p:spPr>
+        <p:txBody>
+          <a:bodyPr rot="0" spcFirstLastPara="0" vertOverflow="overflow" horzOverflow="overflow" vert="horz" wrap="square" lIns="91440" tIns="45720" rIns="91440" bIns="45720" numCol="1" spcCol="0" rtlCol="0" fromWordArt="0" anchor="t" anchorCtr="0" forceAA="0" compatLnSpc="1">
+            <a:prstTxWarp prst="textNoShape">
+              <a:avLst/>
+            </a:prstTxWarp>
+            <a:spAutoFit/>
+          </a:bodyPr>
+          <a:lstStyle/>
+          <a:p>
+            <a:r>
+              <a:rPr lang="en-US" sz="6000" b="1" err="1">
+                <a:solidFill>
+                  <a:schemeClr val="bg1"/>
+                </a:solidFill>
+                <a:latin typeface="Century Schoolbook"/>
+              </a:rPr>
+              <a:t>Adatbázis</a:t>
+            </a:r>
+          </a:p>
+        </p:txBody>
+      </p:sp>
+      <p:pic>
+        <p:nvPicPr>
+          <p:cNvPr id="9" name="Kép 8" descr="A képen virág, szöveg, kör, szív látható&#10;&#10;Lehet, hogy az AI által létrehozott tartalom helytelen.">
+            <a:extLst>
+              <a:ext uri="{FF2B5EF4-FFF2-40B4-BE49-F238E27FC236}">
+                <a16:creationId xmlns:a16="http://schemas.microsoft.com/office/drawing/2014/main" id="{D49DBBEA-5DB5-B8B0-8F10-90936A7AF0C5}"/>
+              </a:ext>
+            </a:extLst>
+          </p:cNvPr>
+          <p:cNvPicPr>
+            <a:picLocks noChangeAspect="1"/>
+          </p:cNvPicPr>
+          <p:nvPr/>
+        </p:nvPicPr>
+        <p:blipFill>
+          <a:blip r:embed="rId4"/>
+          <a:stretch>
+            <a:fillRect/>
+          </a:stretch>
+        </p:blipFill>
+        <p:spPr>
+          <a:xfrm>
+            <a:off x="9968108" y="-2345"/>
+            <a:ext cx="1422957" cy="1409395"/>
+          </a:xfrm>
+          <a:prstGeom prst="ellipse">
+            <a:avLst/>
+          </a:prstGeom>
+          <a:ln w="63500" cap="rnd">
+            <a:solidFill>
+              <a:srgbClr val="333333"/>
+            </a:solidFill>
+          </a:ln>
+          <a:effectLst>
+            <a:outerShdw blurRad="381000" dist="292100" dir="5400000" sx="-80000" sy="-18000" rotWithShape="0">
+              <a:srgbClr val="000000">
+                <a:alpha val="22000"/>
+              </a:srgbClr>
+            </a:outerShdw>
+          </a:effectLst>
+          <a:scene3d>
+            <a:camera prst="orthographicFront"/>
+            <a:lightRig rig="contrasting" dir="t">
+              <a:rot lat="0" lon="0" rev="3000000"/>
+            </a:lightRig>
+          </a:scene3d>
+          <a:sp3d contourW="7620">
+            <a:bevelT w="95250" h="31750"/>
+            <a:contourClr>
+              <a:srgbClr val="333333"/>
+            </a:contourClr>
+          </a:sp3d>
+        </p:spPr>
+      </p:pic>
+      <p:sp>
+        <p:nvSpPr>
+          <p:cNvPr id="3" name="Szövegdoboz 2">
+            <a:extLst>
+              <a:ext uri="{FF2B5EF4-FFF2-40B4-BE49-F238E27FC236}">
+                <a16:creationId xmlns:a16="http://schemas.microsoft.com/office/drawing/2014/main" id="{295EFD0F-4E35-D24B-7903-D7CA55BA8288}"/>
+              </a:ext>
+            </a:extLst>
+          </p:cNvPr>
+          <p:cNvSpPr txBox="1"/>
+          <p:nvPr/>
+        </p:nvSpPr>
+        <p:spPr>
+          <a:xfrm>
+            <a:off x="1679960" y="3429082"/>
+            <a:ext cx="8994351" cy="1200329"/>
+          </a:xfrm>
+          <a:prstGeom prst="rect">
+            <a:avLst/>
+          </a:prstGeom>
+          <a:noFill/>
+        </p:spPr>
+        <p:txBody>
+          <a:bodyPr rot="0" spcFirstLastPara="0" vertOverflow="overflow" horzOverflow="overflow" vert="horz" wrap="square" lIns="91440" tIns="45720" rIns="91440" bIns="45720" numCol="1" spcCol="0" rtlCol="0" fromWordArt="0" anchor="t" anchorCtr="0" forceAA="0" compatLnSpc="1">
+            <a:prstTxWarp prst="textNoShape">
+              <a:avLst/>
+            </a:prstTxWarp>
+            <a:spAutoFit/>
+          </a:bodyPr>
+          <a:lstStyle/>
+          <a:p>
+            <a:pPr>
+              <a:spcBef>
+                <a:spcPts val="1500"/>
+              </a:spcBef>
+            </a:pPr>
+            <a:r>
+              <a:rPr lang="en-US" sz="3600" b="1" err="1">
+                <a:solidFill>
+                  <a:schemeClr val="bg1"/>
+                </a:solidFill>
+                <a:latin typeface="Century Schoolbook"/>
+              </a:rPr>
+              <a:t>Weboldalunk</a:t>
+            </a:r>
+            <a:r>
+              <a:rPr lang="en-US" sz="3600" b="1">
+                <a:solidFill>
+                  <a:schemeClr val="bg1"/>
+                </a:solidFill>
+                <a:latin typeface="Century Schoolbook"/>
+              </a:rPr>
+              <a:t> </a:t>
+            </a:r>
+            <a:r>
+              <a:rPr lang="en-US" sz="3600" b="1" err="1">
+                <a:solidFill>
+                  <a:schemeClr val="bg1"/>
+                </a:solidFill>
+                <a:latin typeface="Century Schoolbook"/>
+              </a:rPr>
+              <a:t>bemutatása</a:t>
+            </a:r>
+            <a:r>
+              <a:rPr lang="en-US" sz="3600" b="1">
+                <a:solidFill>
+                  <a:schemeClr val="bg1"/>
+                </a:solidFill>
+                <a:latin typeface="Century Schoolbook"/>
+              </a:rPr>
+              <a:t> </a:t>
+            </a:r>
+            <a:r>
+              <a:rPr lang="en-US" sz="3600" b="1" err="1">
+                <a:solidFill>
+                  <a:schemeClr val="bg1"/>
+                </a:solidFill>
+                <a:latin typeface="Century Schoolbook"/>
+              </a:rPr>
+              <a:t>következik</a:t>
+            </a:r>
+            <a:endParaRPr lang="en-US" sz="3600" b="1">
+              <a:solidFill>
+                <a:schemeClr val="bg1"/>
+              </a:solidFill>
+              <a:latin typeface="Century Schoolbook"/>
+            </a:endParaRPr>
+          </a:p>
+          <a:p>
+            <a:pPr algn="ctr"/>
+            <a:endParaRPr lang="hu-HU"/>
+          </a:p>
+          <a:p>
+            <a:pPr algn="l"/>
+            <a:endParaRPr lang="hu-HU"/>
+          </a:p>
+        </p:txBody>
+      </p:sp>
+    </p:spTree>
+    <p:extLst>
+      <p:ext uri="{BB962C8B-B14F-4D97-AF65-F5344CB8AC3E}">
+        <p14:creationId xmlns:p14="http://schemas.microsoft.com/office/powerpoint/2010/main" val="4272233523"/>
+      </p:ext>
+    </p:extLst>
+  </p:cSld>
+  <p:clrMapOvr>
+    <a:masterClrMapping/>
+  </p:clrMapOvr>
+</p:sld>
+</file>
+
+<file path=ppt/slides/slide8.xml><?xml version="1.0" encoding="utf-8"?>
+<p:sld xmlns:a="http://schemas.openxmlformats.org/drawingml/2006/main" xmlns:r="http://schemas.openxmlformats.org/officeDocument/2006/relationships" xmlns:p="http://schemas.openxmlformats.org/presentationml/2006/main">
+  <p:cSld>
+    <p:bg>
+      <p:bgPr>
+        <a:blipFill>
+          <a:blip r:embed="rId3"/>
+          <a:stretch>
+            <a:fillRect t="-7000" b="-7000"/>
+          </a:stretch>
+        </a:blipFill>
+        <a:effectLst/>
+      </p:bgPr>
+    </p:bg>
+    <p:spTree>
+      <p:nvGrpSpPr>
+        <p:cNvPr id="1" name="">
+          <a:extLst>
+            <a:ext uri="{FF2B5EF4-FFF2-40B4-BE49-F238E27FC236}">
+              <a16:creationId xmlns:a16="http://schemas.microsoft.com/office/drawing/2014/main" id="{B2C38EEE-C3A9-A23A-E992-3EA421CDDF66}"/>
+            </a:ext>
+          </a:extLst>
+        </p:cNvPr>
+        <p:cNvGrpSpPr/>
+        <p:nvPr/>
+      </p:nvGrpSpPr>
+      <p:grpSpPr>
+        <a:xfrm>
+          <a:off x="0" y="0"/>
+          <a:ext cx="0" cy="0"/>
+          <a:chOff x="0" y="0"/>
+          <a:chExt cx="0" cy="0"/>
+        </a:xfrm>
+      </p:grpSpPr>
+      <p:sp>
+        <p:nvSpPr>
+          <p:cNvPr id="5" name="Téglalap 4">
+            <a:extLst>
+              <a:ext uri="{FF2B5EF4-FFF2-40B4-BE49-F238E27FC236}">
+                <a16:creationId xmlns:a16="http://schemas.microsoft.com/office/drawing/2014/main" id="{F5178F5F-6A38-DCF7-C654-C5F1021F67F5}"/>
+              </a:ext>
+            </a:extLst>
+          </p:cNvPr>
+          <p:cNvSpPr>
+            <a:spLocks/>
+          </p:cNvSpPr>
+          <p:nvPr/>
+        </p:nvSpPr>
+        <p:spPr>
+          <a:xfrm>
+            <a:off x="-81643" y="-42145"/>
+            <a:ext cx="12273642" cy="6898821"/>
+          </a:xfrm>
+          <a:prstGeom prst="rect">
+            <a:avLst/>
+          </a:prstGeom>
+          <a:solidFill>
+            <a:srgbClr val="100814">
+              <a:alpha val="72000"/>
+            </a:srgbClr>
+          </a:solidFill>
+          <a:ln>
+            <a:noFill/>
+          </a:ln>
+          <a:effectLst>
+            <a:outerShdw blurRad="63500" dist="38100" dir="2700000">
+              <a:srgbClr val="0C0C0C">
+                <a:alpha val="0"/>
+              </a:srgbClr>
+            </a:outerShdw>
+          </a:effectLst>
+        </p:spPr>
+        <p:style>
+          <a:lnRef idx="2">
+            <a:schemeClr val="accent1">
+              <a:shade val="15000"/>
+            </a:schemeClr>
+          </a:lnRef>
+          <a:fillRef idx="1">
+            <a:schemeClr val="accent1"/>
+          </a:fillRef>
+          <a:effectRef idx="0">
+            <a:schemeClr val="accent1"/>
+          </a:effectRef>
+          <a:fontRef idx="minor">
+            <a:schemeClr val="lt1"/>
+          </a:fontRef>
+        </p:style>
+        <p:txBody>
+          <a:bodyPr lIns="91440" tIns="45720" rIns="91440" bIns="45720" rtlCol="0" anchor="ctr"/>
+          <a:lstStyle/>
+          <a:p>
+            <a:pPr>
+              <a:spcBef>
+                <a:spcPts val="1500"/>
+              </a:spcBef>
+            </a:pPr>
+            <a:endParaRPr lang="en-US" sz="2400">
+              <a:solidFill>
+                <a:schemeClr val="bg1"/>
+              </a:solidFill>
+              <a:latin typeface="Aptos"/>
+            </a:endParaRPr>
+          </a:p>
+          <a:p>
+            <a:pPr algn="ctr"/>
+            <a:endParaRPr lang="hu-HU">
+              <a:solidFill>
+                <a:schemeClr val="bg1"/>
+              </a:solidFill>
+            </a:endParaRPr>
+          </a:p>
+        </p:txBody>
+      </p:sp>
+      <p:sp>
+        <p:nvSpPr>
+          <p:cNvPr id="2" name="Téglalap: lekerekített 1">
+            <a:extLst>
+              <a:ext uri="{FF2B5EF4-FFF2-40B4-BE49-F238E27FC236}">
+                <a16:creationId xmlns:a16="http://schemas.microsoft.com/office/drawing/2014/main" id="{9D6536C7-F79F-0575-DC72-54EDB4CC8FD1}"/>
+              </a:ext>
+            </a:extLst>
+          </p:cNvPr>
+          <p:cNvSpPr/>
+          <p:nvPr/>
+        </p:nvSpPr>
+        <p:spPr>
+          <a:xfrm>
+            <a:off x="-352185" y="-2722"/>
+            <a:ext cx="12848184" cy="2185308"/>
+          </a:xfrm>
+          <a:prstGeom prst="roundRect">
+            <a:avLst/>
+          </a:prstGeom>
+          <a:solidFill>
+            <a:srgbClr val="501649">
+              <a:alpha val="92000"/>
+            </a:srgbClr>
+          </a:solidFill>
+          <a:ln>
+            <a:noFill/>
+          </a:ln>
+        </p:spPr>
+        <p:style>
+          <a:lnRef idx="2">
+            <a:schemeClr val="accent1">
+              <a:shade val="15000"/>
+            </a:schemeClr>
+          </a:lnRef>
+          <a:fillRef idx="1">
+            <a:schemeClr val="accent1"/>
+          </a:fillRef>
+          <a:effectRef idx="0">
+            <a:schemeClr val="accent1"/>
+          </a:effectRef>
+          <a:fontRef idx="minor">
+            <a:schemeClr val="lt1"/>
+          </a:fontRef>
+        </p:style>
+        <p:txBody>
+          <a:bodyPr rtlCol="0" anchor="ctr"/>
+          <a:lstStyle/>
+          <a:p>
+            <a:pPr algn="ctr"/>
+            <a:endParaRPr lang="hu-HU"/>
+          </a:p>
+        </p:txBody>
+      </p:sp>
+      <p:sp>
+        <p:nvSpPr>
+          <p:cNvPr id="4" name="Szövegdoboz 3">
+            <a:extLst>
+              <a:ext uri="{FF2B5EF4-FFF2-40B4-BE49-F238E27FC236}">
+                <a16:creationId xmlns:a16="http://schemas.microsoft.com/office/drawing/2014/main" id="{6EC79B3C-8280-5BD1-D755-2580B135D55F}"/>
+              </a:ext>
+            </a:extLst>
+          </p:cNvPr>
+          <p:cNvSpPr txBox="1"/>
+          <p:nvPr/>
+        </p:nvSpPr>
+        <p:spPr>
+          <a:xfrm>
+            <a:off x="134630" y="209735"/>
+            <a:ext cx="10545455" cy="1015663"/>
+          </a:xfrm>
+          <a:prstGeom prst="rect">
+            <a:avLst/>
+          </a:prstGeom>
+          <a:noFill/>
+        </p:spPr>
+        <p:txBody>
+          <a:bodyPr rot="0" spcFirstLastPara="0" vertOverflow="overflow" horzOverflow="overflow" vert="horz" wrap="square" lIns="91440" tIns="45720" rIns="91440" bIns="45720" numCol="1" spcCol="0" rtlCol="0" fromWordArt="0" anchor="t" anchorCtr="0" forceAA="0" compatLnSpc="1">
+            <a:prstTxWarp prst="textNoShape">
+              <a:avLst/>
+            </a:prstTxWarp>
+            <a:spAutoFit/>
+          </a:bodyPr>
+          <a:lstStyle/>
+          <a:p>
+            <a:r>
+              <a:rPr lang="en-US" sz="6000" b="1">
+                <a:solidFill>
+                  <a:schemeClr val="bg1"/>
+                </a:solidFill>
+                <a:latin typeface="Century Schoolbook"/>
+                <a:ea typeface="+mn-lt"/>
+                <a:cs typeface="+mn-lt"/>
+              </a:rPr>
+              <a:t>Teamwork</a:t>
+            </a:r>
+            <a:endParaRPr lang="hu-HU" b="1">
+              <a:solidFill>
+                <a:schemeClr val="bg1"/>
+              </a:solidFill>
+              <a:latin typeface="Century Schoolbook"/>
+            </a:endParaRPr>
+          </a:p>
+        </p:txBody>
+      </p:sp>
+      <p:pic>
+        <p:nvPicPr>
+          <p:cNvPr id="9" name="Kép 8" descr="A képen virág, szöveg, kör, szív látható&#10;&#10;Lehet, hogy az AI által létrehozott tartalom helytelen.">
+            <a:extLst>
+              <a:ext uri="{FF2B5EF4-FFF2-40B4-BE49-F238E27FC236}">
+                <a16:creationId xmlns:a16="http://schemas.microsoft.com/office/drawing/2014/main" id="{B6C6E755-9E61-A04D-0C04-6FA022B03641}"/>
+              </a:ext>
+            </a:extLst>
+          </p:cNvPr>
+          <p:cNvPicPr>
+            <a:picLocks noChangeAspect="1"/>
+          </p:cNvPicPr>
+          <p:nvPr/>
+        </p:nvPicPr>
+        <p:blipFill>
+          <a:blip r:embed="rId4"/>
+          <a:stretch>
+            <a:fillRect/>
+          </a:stretch>
+        </p:blipFill>
+        <p:spPr>
+          <a:xfrm>
+            <a:off x="9968108" y="383874"/>
+            <a:ext cx="1422957" cy="1409395"/>
+          </a:xfrm>
+          <a:prstGeom prst="ellipse">
+            <a:avLst/>
+          </a:prstGeom>
+          <a:ln w="63500" cap="rnd">
+            <a:solidFill>
+              <a:srgbClr val="333333"/>
+            </a:solidFill>
+          </a:ln>
+          <a:effectLst>
+            <a:outerShdw blurRad="381000" dist="292100" dir="5400000" sx="-80000" sy="-18000" rotWithShape="0">
+              <a:srgbClr val="000000">
+                <a:alpha val="22000"/>
+              </a:srgbClr>
+            </a:outerShdw>
+          </a:effectLst>
+          <a:scene3d>
+            <a:camera prst="orthographicFront"/>
+            <a:lightRig rig="contrasting" dir="t">
+              <a:rot lat="0" lon="0" rev="3000000"/>
+            </a:lightRig>
+          </a:scene3d>
+          <a:sp3d contourW="7620">
+            <a:bevelT w="95250" h="31750"/>
+            <a:contourClr>
+              <a:srgbClr val="333333"/>
+            </a:contourClr>
+          </a:sp3d>
+        </p:spPr>
+      </p:pic>
+      <p:sp>
+        <p:nvSpPr>
+          <p:cNvPr id="6" name="Szövegdoboz 5">
+            <a:extLst>
+              <a:ext uri="{FF2B5EF4-FFF2-40B4-BE49-F238E27FC236}">
+                <a16:creationId xmlns:a16="http://schemas.microsoft.com/office/drawing/2014/main" id="{56BBD732-C195-89D2-A833-15C714E4728F}"/>
+              </a:ext>
+            </a:extLst>
+          </p:cNvPr>
+          <p:cNvSpPr txBox="1"/>
+          <p:nvPr/>
+        </p:nvSpPr>
+        <p:spPr>
+          <a:xfrm>
+            <a:off x="1017373" y="2572265"/>
+            <a:ext cx="7552037" cy="2639184"/>
+          </a:xfrm>
+          <a:prstGeom prst="rect">
+            <a:avLst/>
+          </a:prstGeom>
+          <a:noFill/>
+        </p:spPr>
+        <p:txBody>
+          <a:bodyPr rot="0" spcFirstLastPara="0" vertOverflow="overflow" horzOverflow="overflow" vert="horz" wrap="square" lIns="91440" tIns="45720" rIns="91440" bIns="45720" numCol="1" spcCol="0" rtlCol="0" fromWordArt="0" anchor="t" anchorCtr="0" forceAA="0" compatLnSpc="1">
+            <a:prstTxWarp prst="textNoShape">
+              <a:avLst/>
+            </a:prstTxWarp>
+            <a:spAutoFit/>
+          </a:bodyPr>
+          <a:lstStyle/>
+          <a:p>
+            <a:pPr marL="511810" indent="-511810">
+              <a:spcBef>
+                <a:spcPts val="1500"/>
+              </a:spcBef>
+              <a:buFont typeface="Arial,Sans-Serif"/>
+              <a:buChar char="•"/>
+            </a:pPr>
+            <a:r>
+              <a:rPr lang="en-US" sz="3200" b="1">
+                <a:solidFill>
+                  <a:schemeClr val="bg1"/>
+                </a:solidFill>
+                <a:latin typeface="Century Schoolbook"/>
+                <a:ea typeface="+mn-lt"/>
+                <a:cs typeface="+mn-lt"/>
+              </a:rPr>
+              <a:t>Close collaboration</a:t>
+            </a:r>
+            <a:endParaRPr lang="en-US" sz="3200" b="1">
+              <a:solidFill>
+                <a:schemeClr val="bg1"/>
+              </a:solidFill>
+              <a:latin typeface="Century Schoolbook"/>
+              <a:cs typeface="Arial"/>
+            </a:endParaRPr>
+          </a:p>
+          <a:p>
+            <a:pPr marL="511810" indent="-511810">
+              <a:spcBef>
+                <a:spcPts val="1500"/>
+              </a:spcBef>
+              <a:buFont typeface="Arial,Sans-Serif"/>
+              <a:buChar char="•"/>
+            </a:pPr>
+            <a:r>
+              <a:rPr lang="en-US" sz="3200" b="1">
+                <a:solidFill>
+                  <a:schemeClr val="bg1"/>
+                </a:solidFill>
+                <a:latin typeface="Century Schoolbook"/>
+                <a:ea typeface="+mn-lt"/>
+                <a:cs typeface="+mn-lt"/>
+              </a:rPr>
+              <a:t>Long-term teamwork</a:t>
+            </a:r>
+            <a:endParaRPr lang="en-US" sz="3200" b="1">
+              <a:solidFill>
+                <a:schemeClr val="bg1"/>
+              </a:solidFill>
+              <a:latin typeface="Century Schoolbook"/>
+              <a:cs typeface="Arial"/>
+            </a:endParaRPr>
+          </a:p>
+          <a:p>
+            <a:pPr marL="511810" indent="-511810">
+              <a:spcBef>
+                <a:spcPts val="1500"/>
+              </a:spcBef>
+              <a:buFont typeface="Arial,Sans-Serif"/>
+              <a:buChar char="•"/>
+            </a:pPr>
+            <a:r>
+              <a:rPr lang="en-US" sz="3200" b="1">
+                <a:solidFill>
+                  <a:schemeClr val="bg1"/>
+                </a:solidFill>
+                <a:latin typeface="Century Schoolbook"/>
+                <a:ea typeface="+mn-lt"/>
+                <a:cs typeface="+mn-lt"/>
+              </a:rPr>
+              <a:t>Effective problem-solving</a:t>
+            </a:r>
+            <a:endParaRPr lang="en-US" sz="3200" b="1">
+              <a:solidFill>
+                <a:schemeClr val="bg1"/>
+              </a:solidFill>
+              <a:latin typeface="Century Schoolbook"/>
+              <a:cs typeface="Arial"/>
+            </a:endParaRPr>
+          </a:p>
+          <a:p>
+            <a:pPr marL="511810" indent="-511810">
+              <a:spcBef>
+                <a:spcPts val="1500"/>
+              </a:spcBef>
+              <a:buFont typeface="Arial,Sans-Serif"/>
+              <a:buChar char="•"/>
+            </a:pPr>
+            <a:r>
+              <a:rPr lang="en-US" sz="3200" b="1">
+                <a:solidFill>
+                  <a:schemeClr val="bg1"/>
+                </a:solidFill>
+                <a:latin typeface="Century Schoolbook"/>
+                <a:ea typeface="+mn-lt"/>
+                <a:cs typeface="+mn-lt"/>
+              </a:rPr>
+              <a:t>Version control</a:t>
+            </a:r>
+            <a:r>
+              <a:rPr lang="en-US" sz="3200" b="1">
+                <a:solidFill>
+                  <a:schemeClr val="bg1"/>
+                </a:solidFill>
+                <a:latin typeface="Century Schoolbook"/>
+                <a:cs typeface="Arial"/>
+              </a:rPr>
+              <a:t>  </a:t>
+            </a:r>
+            <a:endParaRPr lang="en-US" sz="3200" b="1">
+              <a:solidFill>
+                <a:schemeClr val="bg1"/>
+              </a:solidFill>
+              <a:latin typeface="Century Schoolbook"/>
+            </a:endParaRPr>
+          </a:p>
+        </p:txBody>
+      </p:sp>
+    </p:spTree>
+    <p:extLst>
+      <p:ext uri="{BB962C8B-B14F-4D97-AF65-F5344CB8AC3E}">
+        <p14:creationId xmlns:p14="http://schemas.microsoft.com/office/powerpoint/2010/main" val="1557914119"/>
+      </p:ext>
+    </p:extLst>
+  </p:cSld>
+  <p:clrMapOvr>
+    <a:masterClrMapping/>
+  </p:clrMapOvr>
+</p:sld>
+</file>
+
+<file path=ppt/slides/slide9.xml><?xml version="1.0" encoding="utf-8"?>
+<p:sld xmlns:a="http://schemas.openxmlformats.org/drawingml/2006/main" xmlns:r="http://schemas.openxmlformats.org/officeDocument/2006/relationships" xmlns:p="http://schemas.openxmlformats.org/presentationml/2006/main">
+  <p:cSld>
+    <p:bg>
+      <p:bgPr>
+        <a:blipFill>
+          <a:blip r:embed="rId3"/>
+          <a:stretch>
+            <a:fillRect t="-7000" b="-7000"/>
+          </a:stretch>
+        </a:blipFill>
+        <a:effectLst/>
+      </p:bgPr>
+    </p:bg>
+    <p:spTree>
+      <p:nvGrpSpPr>
+        <p:cNvPr id="1" name="">
+          <a:extLst>
+            <a:ext uri="{FF2B5EF4-FFF2-40B4-BE49-F238E27FC236}">
               <a16:creationId xmlns:a16="http://schemas.microsoft.com/office/drawing/2014/main" id="{02366E66-2A37-5141-A154-2CEF2E2F5804}"/>
             </a:ext>
           </a:extLst>
@@ -8457,665 +10950,6 @@
     <p:extLst>
       <p:ext uri="{BB962C8B-B14F-4D97-AF65-F5344CB8AC3E}">
         <p14:creationId xmlns:p14="http://schemas.microsoft.com/office/powerpoint/2010/main" val="4164401334"/>
-      </p:ext>
-    </p:extLst>
-  </p:cSld>
-  <p:clrMapOvr>
-    <a:masterClrMapping/>
-  </p:clrMapOvr>
-</p:sld>
-</file>
-
-<file path=ppt/slides/slide7.xml><?xml version="1.0" encoding="utf-8"?>
-<p:sld xmlns:a="http://schemas.openxmlformats.org/drawingml/2006/main" xmlns:r="http://schemas.openxmlformats.org/officeDocument/2006/relationships" xmlns:p="http://schemas.openxmlformats.org/presentationml/2006/main">
-  <p:cSld>
-    <p:bg>
-      <p:bgPr>
-        <a:blipFill>
-          <a:blip r:embed="rId3"/>
-          <a:stretch>
-            <a:fillRect t="-7000" b="-7000"/>
-          </a:stretch>
-        </a:blipFill>
-        <a:effectLst/>
-      </p:bgPr>
-    </p:bg>
-    <p:spTree>
-      <p:nvGrpSpPr>
-        <p:cNvPr id="1" name="">
-          <a:extLst>
-            <a:ext uri="{FF2B5EF4-FFF2-40B4-BE49-F238E27FC236}">
-              <a16:creationId xmlns:a16="http://schemas.microsoft.com/office/drawing/2014/main" id="{0545F924-E3EE-5F23-5DCC-6AC4B14B7F4E}"/>
-            </a:ext>
-          </a:extLst>
-        </p:cNvPr>
-        <p:cNvGrpSpPr/>
-        <p:nvPr/>
-      </p:nvGrpSpPr>
-      <p:grpSpPr>
-        <a:xfrm>
-          <a:off x="0" y="0"/>
-          <a:ext cx="0" cy="0"/>
-          <a:chOff x="0" y="0"/>
-          <a:chExt cx="0" cy="0"/>
-        </a:xfrm>
-      </p:grpSpPr>
-      <p:sp>
-        <p:nvSpPr>
-          <p:cNvPr id="5" name="Téglalap 4">
-            <a:extLst>
-              <a:ext uri="{FF2B5EF4-FFF2-40B4-BE49-F238E27FC236}">
-                <a16:creationId xmlns:a16="http://schemas.microsoft.com/office/drawing/2014/main" id="{476FBF62-3ABC-DBA3-1F70-A9461D830BBE}"/>
-              </a:ext>
-            </a:extLst>
-          </p:cNvPr>
-          <p:cNvSpPr>
-            <a:spLocks/>
-          </p:cNvSpPr>
-          <p:nvPr/>
-        </p:nvSpPr>
-        <p:spPr>
-          <a:xfrm>
-            <a:off x="-81643" y="-42145"/>
-            <a:ext cx="12273642" cy="6898821"/>
-          </a:xfrm>
-          <a:prstGeom prst="rect">
-            <a:avLst/>
-          </a:prstGeom>
-          <a:solidFill>
-            <a:srgbClr val="100814">
-              <a:alpha val="72000"/>
-            </a:srgbClr>
-          </a:solidFill>
-          <a:ln>
-            <a:noFill/>
-          </a:ln>
-          <a:effectLst>
-            <a:outerShdw blurRad="63500" dist="38100" dir="2700000">
-              <a:srgbClr val="0C0C0C">
-                <a:alpha val="0"/>
-              </a:srgbClr>
-            </a:outerShdw>
-          </a:effectLst>
-        </p:spPr>
-        <p:style>
-          <a:lnRef idx="2">
-            <a:schemeClr val="accent1">
-              <a:shade val="15000"/>
-            </a:schemeClr>
-          </a:lnRef>
-          <a:fillRef idx="1">
-            <a:schemeClr val="accent1"/>
-          </a:fillRef>
-          <a:effectRef idx="0">
-            <a:schemeClr val="accent1"/>
-          </a:effectRef>
-          <a:fontRef idx="minor">
-            <a:schemeClr val="lt1"/>
-          </a:fontRef>
-        </p:style>
-        <p:txBody>
-          <a:bodyPr lIns="91440" tIns="45720" rIns="91440" bIns="45720" rtlCol="0" anchor="ctr"/>
-          <a:lstStyle/>
-          <a:p>
-            <a:pPr>
-              <a:spcBef>
-                <a:spcPts val="1500"/>
-              </a:spcBef>
-            </a:pPr>
-            <a:endParaRPr lang="en-US" sz="2400">
-              <a:solidFill>
-                <a:schemeClr val="bg1"/>
-              </a:solidFill>
-              <a:latin typeface="Aptos"/>
-            </a:endParaRPr>
-          </a:p>
-          <a:p>
-            <a:pPr algn="ctr"/>
-            <a:endParaRPr lang="hu-HU">
-              <a:solidFill>
-                <a:schemeClr val="bg1"/>
-              </a:solidFill>
-            </a:endParaRPr>
-          </a:p>
-        </p:txBody>
-      </p:sp>
-      <p:sp>
-        <p:nvSpPr>
-          <p:cNvPr id="2" name="Téglalap: lekerekített 1">
-            <a:extLst>
-              <a:ext uri="{FF2B5EF4-FFF2-40B4-BE49-F238E27FC236}">
-                <a16:creationId xmlns:a16="http://schemas.microsoft.com/office/drawing/2014/main" id="{7A928657-0325-67EA-ED1E-CC11026416D8}"/>
-              </a:ext>
-            </a:extLst>
-          </p:cNvPr>
-          <p:cNvSpPr/>
-          <p:nvPr/>
-        </p:nvSpPr>
-        <p:spPr>
-          <a:xfrm>
-            <a:off x="-352185" y="-2722"/>
-            <a:ext cx="12848184" cy="2185308"/>
-          </a:xfrm>
-          <a:prstGeom prst="roundRect">
-            <a:avLst/>
-          </a:prstGeom>
-          <a:solidFill>
-            <a:srgbClr val="501649">
-              <a:alpha val="92000"/>
-            </a:srgbClr>
-          </a:solidFill>
-          <a:ln>
-            <a:noFill/>
-          </a:ln>
-        </p:spPr>
-        <p:style>
-          <a:lnRef idx="2">
-            <a:schemeClr val="accent1">
-              <a:shade val="15000"/>
-            </a:schemeClr>
-          </a:lnRef>
-          <a:fillRef idx="1">
-            <a:schemeClr val="accent1"/>
-          </a:fillRef>
-          <a:effectRef idx="0">
-            <a:schemeClr val="accent1"/>
-          </a:effectRef>
-          <a:fontRef idx="minor">
-            <a:schemeClr val="lt1"/>
-          </a:fontRef>
-        </p:style>
-        <p:txBody>
-          <a:bodyPr rtlCol="0" anchor="ctr"/>
-          <a:lstStyle/>
-          <a:p>
-            <a:pPr algn="ctr"/>
-            <a:endParaRPr lang="hu-HU"/>
-          </a:p>
-        </p:txBody>
-      </p:sp>
-      <p:sp>
-        <p:nvSpPr>
-          <p:cNvPr id="4" name="Szövegdoboz 3">
-            <a:extLst>
-              <a:ext uri="{FF2B5EF4-FFF2-40B4-BE49-F238E27FC236}">
-                <a16:creationId xmlns:a16="http://schemas.microsoft.com/office/drawing/2014/main" id="{8F6B606C-4B8C-4F6A-C66B-9B3B8C7E3111}"/>
-              </a:ext>
-            </a:extLst>
-          </p:cNvPr>
-          <p:cNvSpPr txBox="1"/>
-          <p:nvPr/>
-        </p:nvSpPr>
-        <p:spPr>
-          <a:xfrm>
-            <a:off x="134630" y="209735"/>
-            <a:ext cx="10545455" cy="1015663"/>
-          </a:xfrm>
-          <a:prstGeom prst="rect">
-            <a:avLst/>
-          </a:prstGeom>
-          <a:noFill/>
-        </p:spPr>
-        <p:txBody>
-          <a:bodyPr rot="0" spcFirstLastPara="0" vertOverflow="overflow" horzOverflow="overflow" vert="horz" wrap="square" lIns="91440" tIns="45720" rIns="91440" bIns="45720" numCol="1" spcCol="0" rtlCol="0" fromWordArt="0" anchor="t" anchorCtr="0" forceAA="0" compatLnSpc="1">
-            <a:prstTxWarp prst="textNoShape">
-              <a:avLst/>
-            </a:prstTxWarp>
-            <a:spAutoFit/>
-          </a:bodyPr>
-          <a:lstStyle/>
-          <a:p>
-            <a:r>
-              <a:rPr lang="en-US" sz="6000" b="1">
-                <a:solidFill>
-                  <a:schemeClr val="bg1"/>
-                </a:solidFill>
-                <a:latin typeface="Century Schoolbook"/>
-                <a:ea typeface="+mn-lt"/>
-                <a:cs typeface="+mn-lt"/>
-              </a:rPr>
-              <a:t>Teamwork</a:t>
-            </a:r>
-            <a:endParaRPr lang="hu-HU" b="1">
-              <a:solidFill>
-                <a:schemeClr val="bg1"/>
-              </a:solidFill>
-              <a:latin typeface="Century Schoolbook"/>
-            </a:endParaRPr>
-          </a:p>
-        </p:txBody>
-      </p:sp>
-      <p:pic>
-        <p:nvPicPr>
-          <p:cNvPr id="9" name="Kép 8" descr="A képen virág, szöveg, kör, szív látható&#10;&#10;Lehet, hogy az AI által létrehozott tartalom helytelen.">
-            <a:extLst>
-              <a:ext uri="{FF2B5EF4-FFF2-40B4-BE49-F238E27FC236}">
-                <a16:creationId xmlns:a16="http://schemas.microsoft.com/office/drawing/2014/main" id="{C0BA863E-EAC0-2B47-DFC0-442C2A0844D0}"/>
-              </a:ext>
-            </a:extLst>
-          </p:cNvPr>
-          <p:cNvPicPr>
-            <a:picLocks noChangeAspect="1"/>
-          </p:cNvPicPr>
-          <p:nvPr/>
-        </p:nvPicPr>
-        <p:blipFill>
-          <a:blip r:embed="rId4"/>
-          <a:stretch>
-            <a:fillRect/>
-          </a:stretch>
-        </p:blipFill>
-        <p:spPr>
-          <a:xfrm>
-            <a:off x="9968108" y="383874"/>
-            <a:ext cx="1422957" cy="1409395"/>
-          </a:xfrm>
-          <a:prstGeom prst="ellipse">
-            <a:avLst/>
-          </a:prstGeom>
-          <a:ln w="63500" cap="rnd">
-            <a:solidFill>
-              <a:srgbClr val="333333"/>
-            </a:solidFill>
-          </a:ln>
-          <a:effectLst>
-            <a:outerShdw blurRad="381000" dist="292100" dir="5400000" sx="-80000" sy="-18000" rotWithShape="0">
-              <a:srgbClr val="000000">
-                <a:alpha val="22000"/>
-              </a:srgbClr>
-            </a:outerShdw>
-          </a:effectLst>
-          <a:scene3d>
-            <a:camera prst="orthographicFront"/>
-            <a:lightRig rig="contrasting" dir="t">
-              <a:rot lat="0" lon="0" rev="3000000"/>
-            </a:lightRig>
-          </a:scene3d>
-          <a:sp3d contourW="7620">
-            <a:bevelT w="95250" h="31750"/>
-            <a:contourClr>
-              <a:srgbClr val="333333"/>
-            </a:contourClr>
-          </a:sp3d>
-        </p:spPr>
-      </p:pic>
-      <p:sp>
-        <p:nvSpPr>
-          <p:cNvPr id="6" name="Szövegdoboz 5">
-            <a:extLst>
-              <a:ext uri="{FF2B5EF4-FFF2-40B4-BE49-F238E27FC236}">
-                <a16:creationId xmlns:a16="http://schemas.microsoft.com/office/drawing/2014/main" id="{8D137D2E-5820-4D34-8B9B-F29E7ABC7B41}"/>
-              </a:ext>
-            </a:extLst>
-          </p:cNvPr>
-          <p:cNvSpPr txBox="1"/>
-          <p:nvPr/>
-        </p:nvSpPr>
-        <p:spPr>
-          <a:xfrm>
-            <a:off x="1017373" y="2572265"/>
-            <a:ext cx="7552037" cy="2639184"/>
-          </a:xfrm>
-          <a:prstGeom prst="rect">
-            <a:avLst/>
-          </a:prstGeom>
-          <a:noFill/>
-        </p:spPr>
-        <p:txBody>
-          <a:bodyPr rot="0" spcFirstLastPara="0" vertOverflow="overflow" horzOverflow="overflow" vert="horz" wrap="square" lIns="91440" tIns="45720" rIns="91440" bIns="45720" numCol="1" spcCol="0" rtlCol="0" fromWordArt="0" anchor="t" anchorCtr="0" forceAA="0" compatLnSpc="1">
-            <a:prstTxWarp prst="textNoShape">
-              <a:avLst/>
-            </a:prstTxWarp>
-            <a:spAutoFit/>
-          </a:bodyPr>
-          <a:lstStyle/>
-          <a:p>
-            <a:pPr marL="511810" indent="-511810">
-              <a:spcBef>
-                <a:spcPts val="1500"/>
-              </a:spcBef>
-              <a:buFont typeface="Arial,Sans-Serif"/>
-              <a:buChar char="•"/>
-            </a:pPr>
-            <a:r>
-              <a:rPr lang="en-US" sz="3200" b="1">
-                <a:solidFill>
-                  <a:schemeClr val="bg1"/>
-                </a:solidFill>
-                <a:latin typeface="Century Schoolbook"/>
-                <a:ea typeface="+mn-lt"/>
-                <a:cs typeface="+mn-lt"/>
-              </a:rPr>
-              <a:t>Close collaboration</a:t>
-            </a:r>
-            <a:endParaRPr lang="en-US" sz="3200" b="1">
-              <a:solidFill>
-                <a:schemeClr val="bg1"/>
-              </a:solidFill>
-              <a:latin typeface="Century Schoolbook"/>
-              <a:cs typeface="Arial"/>
-            </a:endParaRPr>
-          </a:p>
-          <a:p>
-            <a:pPr marL="511810" indent="-511810">
-              <a:spcBef>
-                <a:spcPts val="1500"/>
-              </a:spcBef>
-              <a:buFont typeface="Arial,Sans-Serif"/>
-              <a:buChar char="•"/>
-            </a:pPr>
-            <a:r>
-              <a:rPr lang="en-US" sz="3200" b="1">
-                <a:solidFill>
-                  <a:schemeClr val="bg1"/>
-                </a:solidFill>
-                <a:latin typeface="Century Schoolbook"/>
-                <a:ea typeface="+mn-lt"/>
-                <a:cs typeface="+mn-lt"/>
-              </a:rPr>
-              <a:t>Long-term teamwork</a:t>
-            </a:r>
-            <a:endParaRPr lang="en-US" sz="3200" b="1">
-              <a:solidFill>
-                <a:schemeClr val="bg1"/>
-              </a:solidFill>
-              <a:latin typeface="Century Schoolbook"/>
-              <a:cs typeface="Arial"/>
-            </a:endParaRPr>
-          </a:p>
-          <a:p>
-            <a:pPr marL="511810" indent="-511810">
-              <a:spcBef>
-                <a:spcPts val="1500"/>
-              </a:spcBef>
-              <a:buFont typeface="Arial,Sans-Serif"/>
-              <a:buChar char="•"/>
-            </a:pPr>
-            <a:r>
-              <a:rPr lang="en-US" sz="3200" b="1">
-                <a:solidFill>
-                  <a:schemeClr val="bg1"/>
-                </a:solidFill>
-                <a:latin typeface="Century Schoolbook"/>
-                <a:ea typeface="+mn-lt"/>
-                <a:cs typeface="+mn-lt"/>
-              </a:rPr>
-              <a:t>Effective problem-solving</a:t>
-            </a:r>
-            <a:endParaRPr lang="en-US" sz="3200" b="1">
-              <a:solidFill>
-                <a:schemeClr val="bg1"/>
-              </a:solidFill>
-              <a:latin typeface="Century Schoolbook"/>
-              <a:cs typeface="Arial"/>
-            </a:endParaRPr>
-          </a:p>
-          <a:p>
-            <a:pPr marL="511810" indent="-511810">
-              <a:spcBef>
-                <a:spcPts val="1500"/>
-              </a:spcBef>
-              <a:buFont typeface="Arial,Sans-Serif"/>
-              <a:buChar char="•"/>
-            </a:pPr>
-            <a:r>
-              <a:rPr lang="en-US" sz="3200" b="1">
-                <a:solidFill>
-                  <a:schemeClr val="bg1"/>
-                </a:solidFill>
-                <a:latin typeface="Century Schoolbook"/>
-                <a:ea typeface="+mn-lt"/>
-                <a:cs typeface="+mn-lt"/>
-              </a:rPr>
-              <a:t>Version control</a:t>
-            </a:r>
-            <a:r>
-              <a:rPr lang="en-US" sz="3200" b="1">
-                <a:solidFill>
-                  <a:schemeClr val="bg1"/>
-                </a:solidFill>
-                <a:latin typeface="Century Schoolbook"/>
-                <a:cs typeface="Arial"/>
-              </a:rPr>
-              <a:t>  </a:t>
-            </a:r>
-            <a:endParaRPr lang="en-US" sz="3200" b="1">
-              <a:solidFill>
-                <a:schemeClr val="bg1"/>
-              </a:solidFill>
-              <a:latin typeface="Century Schoolbook"/>
-            </a:endParaRPr>
-          </a:p>
-        </p:txBody>
-      </p:sp>
-    </p:spTree>
-    <p:extLst>
-      <p:ext uri="{BB962C8B-B14F-4D97-AF65-F5344CB8AC3E}">
-        <p14:creationId xmlns:p14="http://schemas.microsoft.com/office/powerpoint/2010/main" val="3549872823"/>
-      </p:ext>
-    </p:extLst>
-  </p:cSld>
-  <p:clrMapOvr>
-    <a:masterClrMapping/>
-  </p:clrMapOvr>
-</p:sld>
-</file>
-
-<file path=ppt/slides/slide8.xml><?xml version="1.0" encoding="utf-8"?>
-<p:sld xmlns:a="http://schemas.openxmlformats.org/drawingml/2006/main" xmlns:r="http://schemas.openxmlformats.org/officeDocument/2006/relationships" xmlns:p="http://schemas.openxmlformats.org/presentationml/2006/main">
-  <p:cSld>
-    <p:bg>
-      <p:bgPr>
-        <a:blipFill>
-          <a:blip r:embed="rId2"/>
-          <a:stretch>
-            <a:fillRect t="-7000" b="-7000"/>
-          </a:stretch>
-        </a:blipFill>
-        <a:effectLst/>
-      </p:bgPr>
-    </p:bg>
-    <p:spTree>
-      <p:nvGrpSpPr>
-        <p:cNvPr id="1" name="">
-          <a:extLst>
-            <a:ext uri="{FF2B5EF4-FFF2-40B4-BE49-F238E27FC236}">
-              <a16:creationId xmlns:a16="http://schemas.microsoft.com/office/drawing/2014/main" id="{92D7DFC8-A003-B41A-6F29-EA04A28C0A43}"/>
-            </a:ext>
-          </a:extLst>
-        </p:cNvPr>
-        <p:cNvGrpSpPr/>
-        <p:nvPr/>
-      </p:nvGrpSpPr>
-      <p:grpSpPr>
-        <a:xfrm>
-          <a:off x="0" y="0"/>
-          <a:ext cx="0" cy="0"/>
-          <a:chOff x="0" y="0"/>
-          <a:chExt cx="0" cy="0"/>
-        </a:xfrm>
-      </p:grpSpPr>
-      <p:sp>
-        <p:nvSpPr>
-          <p:cNvPr id="5" name="Téglalap 4">
-            <a:extLst>
-              <a:ext uri="{FF2B5EF4-FFF2-40B4-BE49-F238E27FC236}">
-                <a16:creationId xmlns:a16="http://schemas.microsoft.com/office/drawing/2014/main" id="{834E831B-E4A6-9BF6-572D-B3F1EFEBA8E8}"/>
-              </a:ext>
-            </a:extLst>
-          </p:cNvPr>
-          <p:cNvSpPr>
-            <a:spLocks/>
-          </p:cNvSpPr>
-          <p:nvPr/>
-        </p:nvSpPr>
-        <p:spPr>
-          <a:xfrm>
-            <a:off x="736" y="-42145"/>
-            <a:ext cx="12273642" cy="6898821"/>
-          </a:xfrm>
-          <a:prstGeom prst="rect">
-            <a:avLst/>
-          </a:prstGeom>
-          <a:solidFill>
-            <a:srgbClr val="100814">
-              <a:alpha val="72000"/>
-            </a:srgbClr>
-          </a:solidFill>
-          <a:ln>
-            <a:noFill/>
-          </a:ln>
-          <a:effectLst>
-            <a:outerShdw blurRad="63500" dist="38100" dir="2700000">
-              <a:srgbClr val="0C0C0C">
-                <a:alpha val="0"/>
-              </a:srgbClr>
-            </a:outerShdw>
-          </a:effectLst>
-        </p:spPr>
-        <p:style>
-          <a:lnRef idx="2">
-            <a:schemeClr val="accent1">
-              <a:shade val="15000"/>
-            </a:schemeClr>
-          </a:lnRef>
-          <a:fillRef idx="1">
-            <a:schemeClr val="accent1"/>
-          </a:fillRef>
-          <a:effectRef idx="0">
-            <a:schemeClr val="accent1"/>
-          </a:effectRef>
-          <a:fontRef idx="minor">
-            <a:schemeClr val="lt1"/>
-          </a:fontRef>
-        </p:style>
-        <p:txBody>
-          <a:bodyPr lIns="91440" tIns="45720" rIns="91440" bIns="45720" rtlCol="0" anchor="ctr"/>
-          <a:lstStyle/>
-          <a:p>
-            <a:pPr>
-              <a:spcBef>
-                <a:spcPts val="1500"/>
-              </a:spcBef>
-            </a:pPr>
-            <a:endParaRPr lang="en-US" sz="2400">
-              <a:solidFill>
-                <a:schemeClr val="bg1"/>
-              </a:solidFill>
-              <a:latin typeface="Aptos"/>
-            </a:endParaRPr>
-          </a:p>
-          <a:p>
-            <a:pPr algn="ctr"/>
-            <a:endParaRPr lang="hu-HU">
-              <a:solidFill>
-                <a:schemeClr val="bg1"/>
-              </a:solidFill>
-            </a:endParaRPr>
-          </a:p>
-        </p:txBody>
-      </p:sp>
-      <p:sp>
-        <p:nvSpPr>
-          <p:cNvPr id="4" name="Szövegdoboz 3">
-            <a:extLst>
-              <a:ext uri="{FF2B5EF4-FFF2-40B4-BE49-F238E27FC236}">
-                <a16:creationId xmlns:a16="http://schemas.microsoft.com/office/drawing/2014/main" id="{D012F308-2193-EEDA-CF68-AFC31971E348}"/>
-              </a:ext>
-            </a:extLst>
-          </p:cNvPr>
-          <p:cNvSpPr txBox="1"/>
-          <p:nvPr/>
-        </p:nvSpPr>
-        <p:spPr>
-          <a:xfrm>
-            <a:off x="1212931" y="1216151"/>
-            <a:ext cx="10545455" cy="1015663"/>
-          </a:xfrm>
-          <a:prstGeom prst="rect">
-            <a:avLst/>
-          </a:prstGeom>
-          <a:noFill/>
-        </p:spPr>
-        <p:txBody>
-          <a:bodyPr rot="0" spcFirstLastPara="0" vertOverflow="overflow" horzOverflow="overflow" vert="horz" wrap="square" lIns="91440" tIns="45720" rIns="91440" bIns="45720" numCol="1" spcCol="0" rtlCol="0" fromWordArt="0" anchor="t" anchorCtr="0" forceAA="0" compatLnSpc="1">
-            <a:prstTxWarp prst="textNoShape">
-              <a:avLst/>
-            </a:prstTxWarp>
-            <a:spAutoFit/>
-          </a:bodyPr>
-          <a:lstStyle/>
-          <a:p>
-            <a:r>
-              <a:rPr lang="en-US" sz="6000" b="1">
-                <a:solidFill>
-                  <a:schemeClr val="bg1"/>
-                </a:solidFill>
-                <a:latin typeface="Century Schoolbook"/>
-              </a:rPr>
-              <a:t>Köszönjük a figyelmet!</a:t>
-            </a:r>
-          </a:p>
-        </p:txBody>
-      </p:sp>
-      <p:pic>
-        <p:nvPicPr>
-          <p:cNvPr id="9" name="Kép 8" descr="A képen virág, szöveg, kör, szív látható&#10;&#10;Lehet, hogy az AI által létrehozott tartalom helytelen.">
-            <a:extLst>
-              <a:ext uri="{FF2B5EF4-FFF2-40B4-BE49-F238E27FC236}">
-                <a16:creationId xmlns:a16="http://schemas.microsoft.com/office/drawing/2014/main" id="{29B22989-6C40-158E-8362-61B0BD4E77FE}"/>
-              </a:ext>
-            </a:extLst>
-          </p:cNvPr>
-          <p:cNvPicPr>
-            <a:picLocks noChangeAspect="1"/>
-          </p:cNvPicPr>
-          <p:nvPr/>
-        </p:nvPicPr>
-        <p:blipFill>
-          <a:blip r:embed="rId3"/>
-          <a:stretch>
-            <a:fillRect/>
-          </a:stretch>
-        </p:blipFill>
-        <p:spPr>
-          <a:xfrm>
-            <a:off x="4475957" y="3115572"/>
-            <a:ext cx="3176995" cy="3091546"/>
-          </a:xfrm>
-          <a:prstGeom prst="ellipse">
-            <a:avLst/>
-          </a:prstGeom>
-          <a:ln w="63500" cap="rnd">
-            <a:solidFill>
-              <a:srgbClr val="333333"/>
-            </a:solidFill>
-          </a:ln>
-          <a:effectLst>
-            <a:outerShdw blurRad="381000" dist="292100" dir="5400000" sx="-80000" sy="-18000" rotWithShape="0">
-              <a:srgbClr val="000000">
-                <a:alpha val="22000"/>
-              </a:srgbClr>
-            </a:outerShdw>
-          </a:effectLst>
-          <a:scene3d>
-            <a:camera prst="orthographicFront"/>
-            <a:lightRig rig="contrasting" dir="t">
-              <a:rot lat="0" lon="0" rev="3000000"/>
-            </a:lightRig>
-          </a:scene3d>
-          <a:sp3d contourW="7620">
-            <a:bevelT w="95250" h="31750"/>
-            <a:contourClr>
-              <a:srgbClr val="333333"/>
-            </a:contourClr>
-          </a:sp3d>
-        </p:spPr>
-      </p:pic>
-    </p:spTree>
-    <p:extLst>
-      <p:ext uri="{BB962C8B-B14F-4D97-AF65-F5344CB8AC3E}">
-        <p14:creationId xmlns:p14="http://schemas.microsoft.com/office/powerpoint/2010/main" val="2270624464"/>
       </p:ext>
     </p:extLst>
   </p:cSld>
